--- a/NETMouse - .NET release/Presentations/ABCNET как продолжение PABCSystem.pptx
+++ b/NETMouse - .NET release/Presentations/ABCNET как продолжение PABCSystem.pptx
@@ -7305,7 +7305,7 @@
             </a:r>
             <a:r>
               <a:rPr lang="ru-RU" dirty="0"/>
-              <a:t>, распространяющее его возможности на уровень </a:t>
+              <a:t>, распространяющая его возможности на уровень </a:t>
             </a:r>
             <a:r>
               <a:rPr lang="ru-RU" b="1" dirty="0"/>
@@ -7618,94 +7618,6 @@
           </a:p>
         </p:txBody>
       </p:sp>
-      <p:cxnSp>
-        <p:nvCxnSpPr>
-          <p:cNvPr id="11" name="Straight Connector 10">
-            <a:extLst>
-              <a:ext uri="{FF2B5EF4-FFF2-40B4-BE49-F238E27FC236}">
-                <a16:creationId xmlns:a16="http://schemas.microsoft.com/office/drawing/2014/main" id="{AB71FAEA-BFCB-4732-A9F8-07E2AE61642A}"/>
-              </a:ext>
-            </a:extLst>
-          </p:cNvPr>
-          <p:cNvCxnSpPr>
-            <a:cxnSpLocks/>
-          </p:cNvCxnSpPr>
-          <p:nvPr/>
-        </p:nvCxnSpPr>
-        <p:spPr>
-          <a:xfrm>
-            <a:off x="545354" y="1677669"/>
-            <a:ext cx="11101293" cy="0"/>
-          </a:xfrm>
-          <a:prstGeom prst="line">
-            <a:avLst/>
-          </a:prstGeom>
-          <a:ln w="28575" cap="sq">
-            <a:gradFill>
-              <a:gsLst>
-                <a:gs pos="0">
-                  <a:schemeClr val="accent1">
-                    <a:alpha val="0"/>
-                    <a:lumMod val="0"/>
-                    <a:lumOff val="100000"/>
-                  </a:schemeClr>
-                </a:gs>
-                <a:gs pos="50000">
-                  <a:schemeClr val="accent3">
-                    <a:lumMod val="20000"/>
-                    <a:lumOff val="80000"/>
-                  </a:schemeClr>
-                </a:gs>
-                <a:gs pos="20000">
-                  <a:schemeClr val="accent1">
-                    <a:lumMod val="40000"/>
-                    <a:lumOff val="60000"/>
-                    <a:alpha val="80000"/>
-                  </a:schemeClr>
-                </a:gs>
-                <a:gs pos="80000">
-                  <a:schemeClr val="accent1">
-                    <a:lumMod val="40000"/>
-                    <a:lumOff val="60000"/>
-                    <a:alpha val="80000"/>
-                  </a:schemeClr>
-                </a:gs>
-                <a:gs pos="100000">
-                  <a:schemeClr val="accent1">
-                    <a:alpha val="0"/>
-                    <a:lumMod val="0"/>
-                    <a:lumOff val="100000"/>
-                  </a:schemeClr>
-                </a:gs>
-              </a:gsLst>
-              <a:lin ang="0" scaled="0"/>
-            </a:gradFill>
-            <a:bevel/>
-          </a:ln>
-          <a:effectLst>
-            <a:glow rad="63500">
-              <a:schemeClr val="accent2">
-                <a:satMod val="175000"/>
-                <a:alpha val="40000"/>
-              </a:schemeClr>
-            </a:glow>
-          </a:effectLst>
-        </p:spPr>
-        <p:style>
-          <a:lnRef idx="1">
-            <a:schemeClr val="accent1"/>
-          </a:lnRef>
-          <a:fillRef idx="0">
-            <a:schemeClr val="accent1"/>
-          </a:fillRef>
-          <a:effectRef idx="0">
-            <a:schemeClr val="accent1"/>
-          </a:effectRef>
-          <a:fontRef idx="minor">
-            <a:schemeClr val="tx1"/>
-          </a:fontRef>
-        </p:style>
-      </p:cxnSp>
     </p:spTree>
     <p:extLst>
       <p:ext uri="{BB962C8B-B14F-4D97-AF65-F5344CB8AC3E}">
@@ -9612,7 +9524,7 @@
         </p:nvGrpSpPr>
         <p:grpSpPr>
           <a:xfrm>
-            <a:off x="1545937" y="4460730"/>
+            <a:off x="1545937" y="4979990"/>
             <a:ext cx="9100126" cy="369332"/>
             <a:chOff x="1545937" y="2595129"/>
             <a:chExt cx="9100126" cy="369332"/>
@@ -9914,94 +9826,313 @@
           </p:txBody>
         </p:sp>
       </p:grpSp>
-      <p:cxnSp>
-        <p:nvCxnSpPr>
-          <p:cNvPr id="35" name="Straight Connector 34">
+      <p:grpSp>
+        <p:nvGrpSpPr>
+          <p:cNvPr id="36" name="Group 35">
             <a:extLst>
               <a:ext uri="{FF2B5EF4-FFF2-40B4-BE49-F238E27FC236}">
-                <a16:creationId xmlns:a16="http://schemas.microsoft.com/office/drawing/2014/main" id="{737781FF-A1B7-49B5-A0FF-90BE7C8693E9}"/>
+                <a16:creationId xmlns:a16="http://schemas.microsoft.com/office/drawing/2014/main" id="{8593F11B-FECE-4531-9B68-BBC9C159A9FA}"/>
               </a:ext>
             </a:extLst>
           </p:cNvPr>
-          <p:cNvCxnSpPr>
-            <a:cxnSpLocks/>
-          </p:cNvCxnSpPr>
+          <p:cNvGrpSpPr/>
           <p:nvPr/>
-        </p:nvCxnSpPr>
-        <p:spPr>
+        </p:nvGrpSpPr>
+        <p:grpSpPr>
           <a:xfrm>
-            <a:off x="545354" y="1677669"/>
-            <a:ext cx="11101293" cy="0"/>
+            <a:off x="1545937" y="4495336"/>
+            <a:ext cx="9100126" cy="369332"/>
+            <a:chOff x="1545937" y="2595129"/>
+            <a:chExt cx="9100126" cy="369332"/>
           </a:xfrm>
-          <a:prstGeom prst="line">
-            <a:avLst/>
-          </a:prstGeom>
-          <a:ln w="28575" cap="sq">
+        </p:grpSpPr>
+        <p:sp>
+          <p:nvSpPr>
+            <p:cNvPr id="37" name="Show">
+              <a:hlinkClick r:id="rId7" action="ppaction://hlinksldjump"/>
+              <a:extLst>
+                <a:ext uri="{FF2B5EF4-FFF2-40B4-BE49-F238E27FC236}">
+                  <a16:creationId xmlns:a16="http://schemas.microsoft.com/office/drawing/2014/main" id="{182B729B-A907-440F-96A0-92CE5E17960B}"/>
+                </a:ext>
+              </a:extLst>
+            </p:cNvPr>
+            <p:cNvSpPr txBox="1"/>
+            <p:nvPr/>
+          </p:nvSpPr>
+          <p:spPr>
+            <a:xfrm>
+              <a:off x="2192944" y="2595129"/>
+              <a:ext cx="7806112" cy="369332"/>
+            </a:xfrm>
+            <a:prstGeom prst="rect">
+              <a:avLst/>
+            </a:prstGeom>
             <a:gradFill>
               <a:gsLst>
                 <a:gs pos="0">
-                  <a:schemeClr val="accent1">
-                    <a:alpha val="0"/>
-                    <a:lumMod val="0"/>
-                    <a:lumOff val="100000"/>
+                  <a:schemeClr val="accent6">
+                    <a:lumMod val="40000"/>
+                    <a:lumOff val="60000"/>
                   </a:schemeClr>
                 </a:gs>
-                <a:gs pos="50000">
-                  <a:schemeClr val="accent3">
-                    <a:lumMod val="20000"/>
-                    <a:lumOff val="80000"/>
-                  </a:schemeClr>
+                <a:gs pos="84000">
+                  <a:srgbClr val="0070C0">
+                    <a:alpha val="72000"/>
+                  </a:srgbClr>
                 </a:gs>
-                <a:gs pos="20000">
-                  <a:schemeClr val="accent1">
-                    <a:lumMod val="40000"/>
-                    <a:lumOff val="60000"/>
-                    <a:alpha val="80000"/>
-                  </a:schemeClr>
-                </a:gs>
-                <a:gs pos="80000">
-                  <a:schemeClr val="accent1">
-                    <a:lumMod val="40000"/>
-                    <a:lumOff val="60000"/>
-                    <a:alpha val="80000"/>
-                  </a:schemeClr>
+                <a:gs pos="28000">
+                  <a:srgbClr val="0070C0">
+                    <a:alpha val="72000"/>
+                  </a:srgbClr>
                 </a:gs>
                 <a:gs pos="100000">
-                  <a:schemeClr val="accent1">
-                    <a:alpha val="0"/>
-                    <a:lumMod val="0"/>
-                    <a:lumOff val="100000"/>
+                  <a:schemeClr val="bg2">
+                    <a:lumMod val="75000"/>
                   </a:schemeClr>
                 </a:gs>
               </a:gsLst>
-              <a:lin ang="0" scaled="0"/>
+              <a:lin ang="5400000" scaled="1"/>
             </a:gradFill>
-            <a:bevel/>
-          </a:ln>
-          <a:effectLst>
-            <a:glow rad="63500">
-              <a:schemeClr val="accent2">
-                <a:satMod val="175000"/>
-                <a:alpha val="40000"/>
+            <a:ln>
+              <a:solidFill>
+                <a:schemeClr val="bg1">
+                  <a:lumMod val="85000"/>
+                  <a:lumOff val="15000"/>
+                </a:schemeClr>
+              </a:solidFill>
+            </a:ln>
+            <a:effectLst>
+              <a:glow rad="101600">
+                <a:schemeClr val="accent1">
+                  <a:satMod val="175000"/>
+                  <a:alpha val="40000"/>
+                </a:schemeClr>
+              </a:glow>
+              <a:outerShdw blurRad="50800" dist="38100" dir="2700000" algn="tl" rotWithShape="0">
+                <a:prstClr val="black">
+                  <a:alpha val="40000"/>
+                </a:prstClr>
+              </a:outerShdw>
+            </a:effectLst>
+            <a:scene3d>
+              <a:camera prst="orthographicFront"/>
+              <a:lightRig rig="threePt" dir="t"/>
+            </a:scene3d>
+            <a:sp3d>
+              <a:bevelT prst="relaxedInset"/>
+            </a:sp3d>
+          </p:spPr>
+          <p:txBody>
+            <a:bodyPr wrap="square" rtlCol="0">
+              <a:spAutoFit/>
+            </a:bodyPr>
+            <a:lstStyle/>
+            <a:p>
+              <a:pPr algn="ctr"/>
+              <a:r>
+                <a:rPr lang="ru-RU" b="1" dirty="0">
+                  <a:effectLst>
+                    <a:outerShdw blurRad="38100" dist="38100" dir="2700000" algn="tl">
+                      <a:srgbClr val="000000">
+                        <a:alpha val="43137"/>
+                      </a:srgbClr>
+                    </a:outerShdw>
+                  </a:effectLst>
+                </a:rPr>
+                <a:t>Что выбрать?</a:t>
+              </a:r>
+            </a:p>
+          </p:txBody>
+        </p:sp>
+        <p:sp>
+          <p:nvSpPr>
+            <p:cNvPr id="38" name="Arrow: Pentagon 37">
+              <a:extLst>
+                <a:ext uri="{FF2B5EF4-FFF2-40B4-BE49-F238E27FC236}">
+                  <a16:creationId xmlns:a16="http://schemas.microsoft.com/office/drawing/2014/main" id="{053E309D-5A82-4237-AEE8-4E8BE4567432}"/>
+                </a:ext>
+              </a:extLst>
+            </p:cNvPr>
+            <p:cNvSpPr/>
+            <p:nvPr/>
+          </p:nvSpPr>
+          <p:spPr>
+            <a:xfrm>
+              <a:off x="10105735" y="2595129"/>
+              <a:ext cx="540328" cy="369332"/>
+            </a:xfrm>
+            <a:prstGeom prst="homePlate">
+              <a:avLst/>
+            </a:prstGeom>
+            <a:gradFill>
+              <a:gsLst>
+                <a:gs pos="0">
+                  <a:srgbClr val="99CCFF"/>
+                </a:gs>
+                <a:gs pos="28000">
+                  <a:srgbClr val="0070C0"/>
+                </a:gs>
+                <a:gs pos="84000">
+                  <a:srgbClr val="0070C0"/>
+                </a:gs>
+                <a:gs pos="100000">
+                  <a:schemeClr val="bg1">
+                    <a:lumMod val="95000"/>
+                    <a:lumOff val="5000"/>
+                  </a:schemeClr>
+                </a:gs>
+              </a:gsLst>
+              <a:lin ang="5400000" scaled="1"/>
+            </a:gradFill>
+            <a:ln w="9525">
+              <a:solidFill>
+                <a:schemeClr val="bg1">
+                  <a:lumMod val="95000"/>
+                  <a:lumOff val="5000"/>
+                </a:schemeClr>
+              </a:solidFill>
+            </a:ln>
+            <a:effectLst>
+              <a:glow rad="101600">
+                <a:schemeClr val="accent1">
+                  <a:satMod val="175000"/>
+                  <a:alpha val="40000"/>
+                </a:schemeClr>
+              </a:glow>
+              <a:outerShdw blurRad="50800" dist="38100" dir="2700000" algn="tl" rotWithShape="0">
+                <a:prstClr val="black">
+                  <a:alpha val="40000"/>
+                </a:prstClr>
+              </a:outerShdw>
+            </a:effectLst>
+            <a:scene3d>
+              <a:camera prst="orthographicFront"/>
+              <a:lightRig rig="threePt" dir="t"/>
+            </a:scene3d>
+            <a:sp3d>
+              <a:bevelT prst="relaxedInset"/>
+            </a:sp3d>
+          </p:spPr>
+          <p:style>
+            <a:lnRef idx="2">
+              <a:schemeClr val="accent1">
+                <a:shade val="50000"/>
               </a:schemeClr>
-            </a:glow>
-          </a:effectLst>
-        </p:spPr>
-        <p:style>
-          <a:lnRef idx="1">
-            <a:schemeClr val="accent1"/>
-          </a:lnRef>
-          <a:fillRef idx="0">
-            <a:schemeClr val="accent1"/>
-          </a:fillRef>
-          <a:effectRef idx="0">
-            <a:schemeClr val="accent1"/>
-          </a:effectRef>
-          <a:fontRef idx="minor">
-            <a:schemeClr val="tx1"/>
-          </a:fontRef>
-        </p:style>
-      </p:cxnSp>
+            </a:lnRef>
+            <a:fillRef idx="1">
+              <a:schemeClr val="accent1"/>
+            </a:fillRef>
+            <a:effectRef idx="0">
+              <a:schemeClr val="accent1"/>
+            </a:effectRef>
+            <a:fontRef idx="minor">
+              <a:schemeClr val="lt1"/>
+            </a:fontRef>
+          </p:style>
+          <p:txBody>
+            <a:bodyPr rtlCol="0" anchor="ctr"/>
+            <a:lstStyle/>
+            <a:p>
+              <a:pPr algn="ctr"/>
+              <a:endParaRPr lang="en-US"/>
+            </a:p>
+          </p:txBody>
+        </p:sp>
+        <p:sp>
+          <p:nvSpPr>
+            <p:cNvPr id="39" name="Arrow: Pentagon 38">
+              <a:extLst>
+                <a:ext uri="{FF2B5EF4-FFF2-40B4-BE49-F238E27FC236}">
+                  <a16:creationId xmlns:a16="http://schemas.microsoft.com/office/drawing/2014/main" id="{F1567D71-8B66-40AE-BFC9-8D857E79D006}"/>
+                </a:ext>
+              </a:extLst>
+            </p:cNvPr>
+            <p:cNvSpPr/>
+            <p:nvPr/>
+          </p:nvSpPr>
+          <p:spPr>
+            <a:xfrm flipH="1">
+              <a:off x="1545937" y="2595129"/>
+              <a:ext cx="540328" cy="369332"/>
+            </a:xfrm>
+            <a:prstGeom prst="homePlate">
+              <a:avLst/>
+            </a:prstGeom>
+            <a:gradFill>
+              <a:gsLst>
+                <a:gs pos="0">
+                  <a:srgbClr val="99CCFF"/>
+                </a:gs>
+                <a:gs pos="28000">
+                  <a:srgbClr val="0070C0"/>
+                </a:gs>
+                <a:gs pos="84000">
+                  <a:srgbClr val="0070C0"/>
+                </a:gs>
+                <a:gs pos="100000">
+                  <a:schemeClr val="bg1">
+                    <a:lumMod val="95000"/>
+                    <a:lumOff val="5000"/>
+                  </a:schemeClr>
+                </a:gs>
+              </a:gsLst>
+              <a:lin ang="5400000" scaled="1"/>
+            </a:gradFill>
+            <a:ln w="9525">
+              <a:solidFill>
+                <a:schemeClr val="bg1">
+                  <a:lumMod val="95000"/>
+                  <a:lumOff val="5000"/>
+                </a:schemeClr>
+              </a:solidFill>
+            </a:ln>
+            <a:effectLst>
+              <a:glow rad="101600">
+                <a:schemeClr val="accent1">
+                  <a:satMod val="175000"/>
+                  <a:alpha val="40000"/>
+                </a:schemeClr>
+              </a:glow>
+              <a:outerShdw blurRad="50800" dist="38100" dir="2700000" algn="tl" rotWithShape="0">
+                <a:prstClr val="black">
+                  <a:alpha val="40000"/>
+                </a:prstClr>
+              </a:outerShdw>
+            </a:effectLst>
+            <a:scene3d>
+              <a:camera prst="orthographicFront"/>
+              <a:lightRig rig="threePt" dir="t"/>
+            </a:scene3d>
+            <a:sp3d>
+              <a:bevelT prst="relaxedInset"/>
+            </a:sp3d>
+          </p:spPr>
+          <p:style>
+            <a:lnRef idx="2">
+              <a:schemeClr val="accent1">
+                <a:shade val="50000"/>
+              </a:schemeClr>
+            </a:lnRef>
+            <a:fillRef idx="1">
+              <a:schemeClr val="accent1"/>
+            </a:fillRef>
+            <a:effectRef idx="0">
+              <a:schemeClr val="accent1"/>
+            </a:effectRef>
+            <a:fontRef idx="minor">
+              <a:schemeClr val="lt1"/>
+            </a:fontRef>
+          </p:style>
+          <p:txBody>
+            <a:bodyPr rtlCol="0" anchor="ctr"/>
+            <a:lstStyle/>
+            <a:p>
+              <a:pPr algn="ctr"/>
+              <a:endParaRPr lang="en-US"/>
+            </a:p>
+          </p:txBody>
+        </p:sp>
+      </p:grpSp>
     </p:spTree>
     <p:extLst>
       <p:ext uri="{BB962C8B-B14F-4D97-AF65-F5344CB8AC3E}">
@@ -10417,7 +10548,7 @@
                                           </p:stCondLst>
                                         </p:cTn>
                                         <p:tgtEl>
-                                          <p:spTgt spid="30"/>
+                                          <p:spTgt spid="36"/>
                                         </p:tgtEl>
                                         <p:attrNameLst>
                                           <p:attrName>style.visibility</p:attrName>
@@ -10431,7 +10562,7 @@
                                       <p:cBhvr>
                                         <p:cTn id="35" dur="200"/>
                                         <p:tgtEl>
-                                          <p:spTgt spid="30"/>
+                                          <p:spTgt spid="36"/>
                                         </p:tgtEl>
                                       </p:cBhvr>
                                     </p:animEffect>
@@ -10448,14 +10579,58 @@
                             </p:stCondLst>
                             <p:childTnLst>
                               <p:par>
-                                <p:cTn id="37" presetID="26" presetClass="emph" presetSubtype="0" fill="hold" nodeType="afterEffect">
+                                <p:cTn id="37" presetID="10" presetClass="entr" presetSubtype="0" fill="hold" nodeType="afterEffect">
+                                  <p:stCondLst>
+                                    <p:cond delay="0"/>
+                                  </p:stCondLst>
+                                  <p:childTnLst>
+                                    <p:set>
+                                      <p:cBhvr>
+                                        <p:cTn id="38" dur="1" fill="hold">
+                                          <p:stCondLst>
+                                            <p:cond delay="0"/>
+                                          </p:stCondLst>
+                                        </p:cTn>
+                                        <p:tgtEl>
+                                          <p:spTgt spid="30"/>
+                                        </p:tgtEl>
+                                        <p:attrNameLst>
+                                          <p:attrName>style.visibility</p:attrName>
+                                        </p:attrNameLst>
+                                      </p:cBhvr>
+                                      <p:to>
+                                        <p:strVal val="visible"/>
+                                      </p:to>
+                                    </p:set>
+                                    <p:animEffect transition="in" filter="fade">
+                                      <p:cBhvr>
+                                        <p:cTn id="39" dur="200"/>
+                                        <p:tgtEl>
+                                          <p:spTgt spid="30"/>
+                                        </p:tgtEl>
+                                      </p:cBhvr>
+                                    </p:animEffect>
+                                  </p:childTnLst>
+                                </p:cTn>
+                              </p:par>
+                            </p:childTnLst>
+                          </p:cTn>
+                        </p:par>
+                        <p:par>
+                          <p:cTn id="40" fill="hold">
+                            <p:stCondLst>
+                              <p:cond delay="1600"/>
+                            </p:stCondLst>
+                            <p:childTnLst>
+                              <p:par>
+                                <p:cTn id="41" presetID="26" presetClass="emph" presetSubtype="0" fill="hold" nodeType="afterEffect">
                                   <p:stCondLst>
                                     <p:cond delay="0"/>
                                   </p:stCondLst>
                                   <p:childTnLst>
                                     <p:animEffect transition="out" filter="fade">
                                       <p:cBhvr>
-                                        <p:cTn id="38" dur="200" tmFilter="0, 0; .2, .5; .8, .5; 1, 0"/>
+                                        <p:cTn id="42" dur="200" tmFilter="0, 0; .2, .5; .8, .5; 1, 0"/>
                                         <p:tgtEl>
                                           <p:spTgt spid="13"/>
                                         </p:tgtEl>
@@ -10463,7 +10638,7 @@
                                     </p:animEffect>
                                     <p:animScale>
                                       <p:cBhvr>
-                                        <p:cTn id="39" dur="100" autoRev="1" fill="hold"/>
+                                        <p:cTn id="43" dur="100" autoRev="1" fill="hold"/>
                                         <p:tgtEl>
                                           <p:spTgt spid="13"/>
                                         </p:tgtEl>
@@ -10474,14 +10649,14 @@
                                 </p:cTn>
                               </p:par>
                               <p:par>
-                                <p:cTn id="40" presetID="26" presetClass="emph" presetSubtype="0" fill="hold" nodeType="withEffect">
+                                <p:cTn id="44" presetID="26" presetClass="emph" presetSubtype="0" fill="hold" nodeType="withEffect">
                                   <p:stCondLst>
                                     <p:cond delay="0"/>
                                   </p:stCondLst>
                                   <p:childTnLst>
                                     <p:animEffect transition="out" filter="fade">
                                       <p:cBhvr>
-                                        <p:cTn id="41" dur="200" tmFilter="0, 0; .2, .5; .8, .5; 1, 0"/>
+                                        <p:cTn id="45" dur="200" tmFilter="0, 0; .2, .5; .8, .5; 1, 0"/>
                                         <p:tgtEl>
                                           <p:spTgt spid="18"/>
                                         </p:tgtEl>
@@ -10489,7 +10664,7 @@
                                     </p:animEffect>
                                     <p:animScale>
                                       <p:cBhvr>
-                                        <p:cTn id="42" dur="100" autoRev="1" fill="hold"/>
+                                        <p:cTn id="46" dur="100" autoRev="1" fill="hold"/>
                                         <p:tgtEl>
                                           <p:spTgt spid="18"/>
                                         </p:tgtEl>
@@ -10500,14 +10675,14 @@
                                 </p:cTn>
                               </p:par>
                               <p:par>
-                                <p:cTn id="43" presetID="26" presetClass="emph" presetSubtype="0" fill="hold" nodeType="withEffect">
+                                <p:cTn id="47" presetID="26" presetClass="emph" presetSubtype="0" fill="hold" nodeType="withEffect">
                                   <p:stCondLst>
                                     <p:cond delay="0"/>
                                   </p:stCondLst>
                                   <p:childTnLst>
                                     <p:animEffect transition="out" filter="fade">
                                       <p:cBhvr>
-                                        <p:cTn id="44" dur="200" tmFilter="0, 0; .2, .5; .8, .5; 1, 0"/>
+                                        <p:cTn id="48" dur="200" tmFilter="0, 0; .2, .5; .8, .5; 1, 0"/>
                                         <p:tgtEl>
                                           <p:spTgt spid="22"/>
                                         </p:tgtEl>
@@ -10515,7 +10690,7 @@
                                     </p:animEffect>
                                     <p:animScale>
                                       <p:cBhvr>
-                                        <p:cTn id="45" dur="100" autoRev="1" fill="hold"/>
+                                        <p:cTn id="49" dur="100" autoRev="1" fill="hold"/>
                                         <p:tgtEl>
                                           <p:spTgt spid="22"/>
                                         </p:tgtEl>
@@ -10526,14 +10701,14 @@
                                 </p:cTn>
                               </p:par>
                               <p:par>
-                                <p:cTn id="46" presetID="26" presetClass="emph" presetSubtype="0" fill="hold" nodeType="withEffect">
+                                <p:cTn id="50" presetID="26" presetClass="emph" presetSubtype="0" fill="hold" nodeType="withEffect">
                                   <p:stCondLst>
                                     <p:cond delay="0"/>
                                   </p:stCondLst>
                                   <p:childTnLst>
                                     <p:animEffect transition="out" filter="fade">
                                       <p:cBhvr>
-                                        <p:cTn id="47" dur="200" tmFilter="0, 0; .2, .5; .8, .5; 1, 0"/>
+                                        <p:cTn id="51" dur="200" tmFilter="0, 0; .2, .5; .8, .5; 1, 0"/>
                                         <p:tgtEl>
                                           <p:spTgt spid="26"/>
                                         </p:tgtEl>
@@ -10541,7 +10716,7 @@
                                     </p:animEffect>
                                     <p:animScale>
                                       <p:cBhvr>
-                                        <p:cTn id="48" dur="100" autoRev="1" fill="hold"/>
+                                        <p:cTn id="52" dur="100" autoRev="1" fill="hold"/>
                                         <p:tgtEl>
                                           <p:spTgt spid="26"/>
                                         </p:tgtEl>
@@ -10552,14 +10727,14 @@
                                 </p:cTn>
                               </p:par>
                               <p:par>
-                                <p:cTn id="49" presetID="26" presetClass="emph" presetSubtype="0" fill="hold" nodeType="withEffect">
+                                <p:cTn id="53" presetID="26" presetClass="emph" presetSubtype="0" fill="hold" nodeType="withEffect">
                                   <p:stCondLst>
                                     <p:cond delay="0"/>
                                   </p:stCondLst>
                                   <p:childTnLst>
                                     <p:animEffect transition="out" filter="fade">
                                       <p:cBhvr>
-                                        <p:cTn id="50" dur="200" tmFilter="0, 0; .2, .5; .8, .5; 1, 0"/>
+                                        <p:cTn id="54" dur="200" tmFilter="0, 0; .2, .5; .8, .5; 1, 0"/>
                                         <p:tgtEl>
                                           <p:spTgt spid="30"/>
                                         </p:tgtEl>
@@ -10567,9 +10742,35 @@
                                     </p:animEffect>
                                     <p:animScale>
                                       <p:cBhvr>
-                                        <p:cTn id="51" dur="100" autoRev="1" fill="hold"/>
+                                        <p:cTn id="55" dur="100" autoRev="1" fill="hold"/>
                                         <p:tgtEl>
                                           <p:spTgt spid="30"/>
+                                        </p:tgtEl>
+                                      </p:cBhvr>
+                                      <p:by x="105000" y="105000"/>
+                                    </p:animScale>
+                                  </p:childTnLst>
+                                </p:cTn>
+                              </p:par>
+                              <p:par>
+                                <p:cTn id="56" presetID="26" presetClass="emph" presetSubtype="0" fill="hold" nodeType="withEffect">
+                                  <p:stCondLst>
+                                    <p:cond delay="0"/>
+                                  </p:stCondLst>
+                                  <p:childTnLst>
+                                    <p:animEffect transition="out" filter="fade">
+                                      <p:cBhvr>
+                                        <p:cTn id="57" dur="200" tmFilter="0, 0; .2, .5; .8, .5; 1, 0"/>
+                                        <p:tgtEl>
+                                          <p:spTgt spid="36"/>
+                                        </p:tgtEl>
+                                      </p:cBhvr>
+                                    </p:animEffect>
+                                    <p:animScale>
+                                      <p:cBhvr>
+                                        <p:cTn id="58" dur="100" autoRev="1" fill="hold"/>
+                                        <p:tgtEl>
+                                          <p:spTgt spid="36"/>
                                         </p:tgtEl>
                                       </p:cBhvr>
                                       <p:by x="105000" y="105000"/>
@@ -11373,94 +11574,46 @@
           </a:p>
         </p:txBody>
       </p:sp>
-      <p:cxnSp>
-        <p:nvCxnSpPr>
-          <p:cNvPr id="17" name="Straight Connector 16">
+      <p:pic>
+        <p:nvPicPr>
+          <p:cNvPr id="18" name="Picture 17">
             <a:extLst>
               <a:ext uri="{FF2B5EF4-FFF2-40B4-BE49-F238E27FC236}">
-                <a16:creationId xmlns:a16="http://schemas.microsoft.com/office/drawing/2014/main" id="{13C03F16-3C26-43E5-B4D1-65741B2C19D7}"/>
+                <a16:creationId xmlns:a16="http://schemas.microsoft.com/office/drawing/2014/main" id="{2554EC41-B9BC-455E-BA7E-B7B72D4F50B3}"/>
               </a:ext>
             </a:extLst>
           </p:cNvPr>
-          <p:cNvCxnSpPr>
-            <a:cxnSpLocks/>
-          </p:cNvCxnSpPr>
+          <p:cNvPicPr>
+            <a:picLocks noChangeAspect="1"/>
+          </p:cNvPicPr>
           <p:nvPr/>
-        </p:nvCxnSpPr>
+        </p:nvPicPr>
+        <p:blipFill>
+          <a:blip r:embed="rId3"/>
+          <a:stretch>
+            <a:fillRect/>
+          </a:stretch>
+        </p:blipFill>
         <p:spPr>
           <a:xfrm>
-            <a:off x="545354" y="1677669"/>
-            <a:ext cx="11101293" cy="0"/>
+            <a:off x="2181225" y="1285875"/>
+            <a:ext cx="7829550" cy="4286250"/>
           </a:xfrm>
-          <a:prstGeom prst="line">
+          <a:prstGeom prst="rect">
             <a:avLst/>
           </a:prstGeom>
-          <a:ln w="28575" cap="sq">
-            <a:gradFill>
-              <a:gsLst>
-                <a:gs pos="0">
-                  <a:schemeClr val="accent1">
-                    <a:alpha val="0"/>
-                    <a:lumMod val="0"/>
-                    <a:lumOff val="100000"/>
-                  </a:schemeClr>
-                </a:gs>
-                <a:gs pos="50000">
-                  <a:schemeClr val="accent3">
-                    <a:lumMod val="20000"/>
-                    <a:lumOff val="80000"/>
-                  </a:schemeClr>
-                </a:gs>
-                <a:gs pos="20000">
-                  <a:schemeClr val="accent1">
-                    <a:lumMod val="40000"/>
-                    <a:lumOff val="60000"/>
-                    <a:alpha val="80000"/>
-                  </a:schemeClr>
-                </a:gs>
-                <a:gs pos="80000">
-                  <a:schemeClr val="accent1">
-                    <a:lumMod val="40000"/>
-                    <a:lumOff val="60000"/>
-                    <a:alpha val="80000"/>
-                  </a:schemeClr>
-                </a:gs>
-                <a:gs pos="100000">
-                  <a:schemeClr val="accent1">
-                    <a:alpha val="0"/>
-                    <a:lumMod val="0"/>
-                    <a:lumOff val="100000"/>
-                  </a:schemeClr>
-                </a:gs>
-              </a:gsLst>
-              <a:lin ang="0" scaled="0"/>
-            </a:gradFill>
-            <a:bevel/>
+          <a:ln>
+            <a:noFill/>
           </a:ln>
           <a:effectLst>
-            <a:glow rad="63500">
-              <a:schemeClr val="accent2">
-                <a:satMod val="175000"/>
-                <a:alpha val="40000"/>
-              </a:schemeClr>
-            </a:glow>
+            <a:outerShdw blurRad="292100" dist="139700" dir="2700000" algn="tl" rotWithShape="0">
+              <a:srgbClr val="333333">
+                <a:alpha val="65000"/>
+              </a:srgbClr>
+            </a:outerShdw>
           </a:effectLst>
         </p:spPr>
-        <p:style>
-          <a:lnRef idx="1">
-            <a:schemeClr val="accent1"/>
-          </a:lnRef>
-          <a:fillRef idx="0">
-            <a:schemeClr val="accent1"/>
-          </a:fillRef>
-          <a:effectRef idx="0">
-            <a:schemeClr val="accent1"/>
-          </a:effectRef>
-          <a:fontRef idx="minor">
-            <a:schemeClr val="tx1"/>
-          </a:fontRef>
-        </p:style>
-      </p:cxnSp>
+      </p:pic>
     </p:spTree>
     <p:extLst>
       <p:ext uri="{BB962C8B-B14F-4D97-AF65-F5344CB8AC3E}">
@@ -11970,6 +12123,250 @@
                 </p:cond>
               </p:nextCondLst>
             </p:seq>
+            <p:seq concurrent="1" nextAc="seek">
+              <p:cTn id="34" restart="whenNotActive" fill="hold" evtFilter="cancelBubble" nodeType="interactiveSeq">
+                <p:stCondLst>
+                  <p:cond evt="onClick" delay="0">
+                    <p:tgtEl>
+                      <p:spTgt spid="9"/>
+                    </p:tgtEl>
+                  </p:cond>
+                </p:stCondLst>
+                <p:endSync evt="end" delay="0">
+                  <p:rtn val="all"/>
+                </p:endSync>
+                <p:childTnLst>
+                  <p:par>
+                    <p:cTn id="35" fill="hold">
+                      <p:stCondLst>
+                        <p:cond delay="0"/>
+                      </p:stCondLst>
+                      <p:childTnLst>
+                        <p:par>
+                          <p:cTn id="36" fill="hold">
+                            <p:stCondLst>
+                              <p:cond delay="0"/>
+                            </p:stCondLst>
+                            <p:childTnLst>
+                              <p:par>
+                                <p:cTn id="37" presetID="53" presetClass="entr" presetSubtype="16" fill="hold" nodeType="clickEffect">
+                                  <p:stCondLst>
+                                    <p:cond delay="0"/>
+                                  </p:stCondLst>
+                                  <p:childTnLst>
+                                    <p:set>
+                                      <p:cBhvr>
+                                        <p:cTn id="38" dur="1" fill="hold">
+                                          <p:stCondLst>
+                                            <p:cond delay="0"/>
+                                          </p:stCondLst>
+                                        </p:cTn>
+                                        <p:tgtEl>
+                                          <p:spTgt spid="18"/>
+                                        </p:tgtEl>
+                                        <p:attrNameLst>
+                                          <p:attrName>style.visibility</p:attrName>
+                                        </p:attrNameLst>
+                                      </p:cBhvr>
+                                      <p:to>
+                                        <p:strVal val="visible"/>
+                                      </p:to>
+                                    </p:set>
+                                    <p:anim calcmode="lin" valueType="num">
+                                      <p:cBhvr>
+                                        <p:cTn id="39" dur="500" fill="hold"/>
+                                        <p:tgtEl>
+                                          <p:spTgt spid="18"/>
+                                        </p:tgtEl>
+                                        <p:attrNameLst>
+                                          <p:attrName>ppt_w</p:attrName>
+                                        </p:attrNameLst>
+                                      </p:cBhvr>
+                                      <p:tavLst>
+                                        <p:tav tm="0">
+                                          <p:val>
+                                            <p:fltVal val="0"/>
+                                          </p:val>
+                                        </p:tav>
+                                        <p:tav tm="100000">
+                                          <p:val>
+                                            <p:strVal val="#ppt_w"/>
+                                          </p:val>
+                                        </p:tav>
+                                      </p:tavLst>
+                                    </p:anim>
+                                    <p:anim calcmode="lin" valueType="num">
+                                      <p:cBhvr>
+                                        <p:cTn id="40" dur="500" fill="hold"/>
+                                        <p:tgtEl>
+                                          <p:spTgt spid="18"/>
+                                        </p:tgtEl>
+                                        <p:attrNameLst>
+                                          <p:attrName>ppt_h</p:attrName>
+                                        </p:attrNameLst>
+                                      </p:cBhvr>
+                                      <p:tavLst>
+                                        <p:tav tm="0">
+                                          <p:val>
+                                            <p:fltVal val="0"/>
+                                          </p:val>
+                                        </p:tav>
+                                        <p:tav tm="100000">
+                                          <p:val>
+                                            <p:strVal val="#ppt_h"/>
+                                          </p:val>
+                                        </p:tav>
+                                      </p:tavLst>
+                                    </p:anim>
+                                    <p:animEffect transition="in" filter="fade">
+                                      <p:cBhvr>
+                                        <p:cTn id="41" dur="500"/>
+                                        <p:tgtEl>
+                                          <p:spTgt spid="18"/>
+                                        </p:tgtEl>
+                                      </p:cBhvr>
+                                    </p:animEffect>
+                                  </p:childTnLst>
+                                </p:cTn>
+                              </p:par>
+                            </p:childTnLst>
+                          </p:cTn>
+                        </p:par>
+                      </p:childTnLst>
+                    </p:cTn>
+                  </p:par>
+                </p:childTnLst>
+              </p:cTn>
+              <p:nextCondLst>
+                <p:cond evt="onClick" delay="0">
+                  <p:tgtEl>
+                    <p:spTgt spid="9"/>
+                  </p:tgtEl>
+                </p:cond>
+              </p:nextCondLst>
+            </p:seq>
+            <p:seq concurrent="1" nextAc="seek">
+              <p:cTn id="42" restart="whenNotActive" fill="hold" evtFilter="cancelBubble" nodeType="interactiveSeq">
+                <p:stCondLst>
+                  <p:cond evt="onClick" delay="0">
+                    <p:tgtEl>
+                      <p:spTgt spid="13"/>
+                    </p:tgtEl>
+                  </p:cond>
+                </p:stCondLst>
+                <p:endSync evt="end" delay="0">
+                  <p:rtn val="all"/>
+                </p:endSync>
+                <p:childTnLst>
+                  <p:par>
+                    <p:cTn id="43" fill="hold">
+                      <p:stCondLst>
+                        <p:cond delay="0"/>
+                      </p:stCondLst>
+                      <p:childTnLst>
+                        <p:par>
+                          <p:cTn id="44" fill="hold">
+                            <p:stCondLst>
+                              <p:cond delay="0"/>
+                            </p:stCondLst>
+                            <p:childTnLst>
+                              <p:par>
+                                <p:cTn id="45" presetID="53" presetClass="exit" presetSubtype="32" fill="hold" nodeType="clickEffect">
+                                  <p:stCondLst>
+                                    <p:cond delay="0"/>
+                                  </p:stCondLst>
+                                  <p:childTnLst>
+                                    <p:anim calcmode="lin" valueType="num">
+                                      <p:cBhvr>
+                                        <p:cTn id="46" dur="500"/>
+                                        <p:tgtEl>
+                                          <p:spTgt spid="18"/>
+                                        </p:tgtEl>
+                                        <p:attrNameLst>
+                                          <p:attrName>ppt_w</p:attrName>
+                                        </p:attrNameLst>
+                                      </p:cBhvr>
+                                      <p:tavLst>
+                                        <p:tav tm="0">
+                                          <p:val>
+                                            <p:strVal val="ppt_w"/>
+                                          </p:val>
+                                        </p:tav>
+                                        <p:tav tm="100000">
+                                          <p:val>
+                                            <p:fltVal val="0"/>
+                                          </p:val>
+                                        </p:tav>
+                                      </p:tavLst>
+                                    </p:anim>
+                                    <p:anim calcmode="lin" valueType="num">
+                                      <p:cBhvr>
+                                        <p:cTn id="47" dur="500"/>
+                                        <p:tgtEl>
+                                          <p:spTgt spid="18"/>
+                                        </p:tgtEl>
+                                        <p:attrNameLst>
+                                          <p:attrName>ppt_h</p:attrName>
+                                        </p:attrNameLst>
+                                      </p:cBhvr>
+                                      <p:tavLst>
+                                        <p:tav tm="0">
+                                          <p:val>
+                                            <p:strVal val="ppt_h"/>
+                                          </p:val>
+                                        </p:tav>
+                                        <p:tav tm="100000">
+                                          <p:val>
+                                            <p:fltVal val="0"/>
+                                          </p:val>
+                                        </p:tav>
+                                      </p:tavLst>
+                                    </p:anim>
+                                    <p:animEffect transition="out" filter="fade">
+                                      <p:cBhvr>
+                                        <p:cTn id="48" dur="500"/>
+                                        <p:tgtEl>
+                                          <p:spTgt spid="18"/>
+                                        </p:tgtEl>
+                                      </p:cBhvr>
+                                    </p:animEffect>
+                                    <p:set>
+                                      <p:cBhvr>
+                                        <p:cTn id="49" dur="1" fill="hold">
+                                          <p:stCondLst>
+                                            <p:cond delay="499"/>
+                                          </p:stCondLst>
+                                        </p:cTn>
+                                        <p:tgtEl>
+                                          <p:spTgt spid="18"/>
+                                        </p:tgtEl>
+                                        <p:attrNameLst>
+                                          <p:attrName>style.visibility</p:attrName>
+                                        </p:attrNameLst>
+                                      </p:cBhvr>
+                                      <p:to>
+                                        <p:strVal val="hidden"/>
+                                      </p:to>
+                                    </p:set>
+                                  </p:childTnLst>
+                                </p:cTn>
+                              </p:par>
+                            </p:childTnLst>
+                          </p:cTn>
+                        </p:par>
+                      </p:childTnLst>
+                    </p:cTn>
+                  </p:par>
+                </p:childTnLst>
+              </p:cTn>
+              <p:nextCondLst>
+                <p:cond evt="onClick" delay="0">
+                  <p:tgtEl>
+                    <p:spTgt spid="13"/>
+                  </p:tgtEl>
+                </p:cond>
+              </p:nextCondLst>
+            </p:seq>
           </p:childTnLst>
         </p:cTn>
       </p:par>
@@ -12521,288 +12918,6 @@
           </a:p>
         </p:txBody>
       </p:sp>
-      <p:sp>
-        <p:nvSpPr>
-          <p:cNvPr id="9" name="Show">
-            <a:extLst>
-              <a:ext uri="{FF2B5EF4-FFF2-40B4-BE49-F238E27FC236}">
-                <a16:creationId xmlns:a16="http://schemas.microsoft.com/office/drawing/2014/main" id="{AE519877-DD19-4A09-AA9A-F6345A3F8D3D}"/>
-              </a:ext>
-            </a:extLst>
-          </p:cNvPr>
-          <p:cNvSpPr txBox="1"/>
-          <p:nvPr/>
-        </p:nvSpPr>
-        <p:spPr>
-          <a:xfrm>
-            <a:off x="5618942" y="6263120"/>
-            <a:ext cx="1232665" cy="369332"/>
-          </a:xfrm>
-          <a:prstGeom prst="rect">
-            <a:avLst/>
-          </a:prstGeom>
-          <a:gradFill>
-            <a:gsLst>
-              <a:gs pos="0">
-                <a:schemeClr val="accent6">
-                  <a:lumMod val="40000"/>
-                  <a:lumOff val="60000"/>
-                </a:schemeClr>
-              </a:gs>
-              <a:gs pos="84000">
-                <a:srgbClr val="0070C0">
-                  <a:alpha val="72000"/>
-                </a:srgbClr>
-              </a:gs>
-              <a:gs pos="28000">
-                <a:srgbClr val="0070C0">
-                  <a:alpha val="72000"/>
-                </a:srgbClr>
-              </a:gs>
-              <a:gs pos="100000">
-                <a:schemeClr val="bg2">
-                  <a:lumMod val="75000"/>
-                </a:schemeClr>
-              </a:gs>
-            </a:gsLst>
-            <a:lin ang="5400000" scaled="1"/>
-          </a:gradFill>
-          <a:ln>
-            <a:solidFill>
-              <a:schemeClr val="bg1">
-                <a:lumMod val="85000"/>
-                <a:lumOff val="15000"/>
-              </a:schemeClr>
-            </a:solidFill>
-          </a:ln>
-          <a:effectLst>
-            <a:glow rad="101600">
-              <a:schemeClr val="accent1">
-                <a:satMod val="175000"/>
-                <a:alpha val="40000"/>
-              </a:schemeClr>
-            </a:glow>
-            <a:outerShdw blurRad="50800" dist="38100" dir="2700000" algn="tl" rotWithShape="0">
-              <a:prstClr val="black">
-                <a:alpha val="40000"/>
-              </a:prstClr>
-            </a:outerShdw>
-          </a:effectLst>
-          <a:scene3d>
-            <a:camera prst="orthographicFront"/>
-            <a:lightRig rig="threePt" dir="t"/>
-          </a:scene3d>
-          <a:sp3d>
-            <a:bevelT prst="relaxedInset"/>
-          </a:sp3d>
-        </p:spPr>
-        <p:txBody>
-          <a:bodyPr wrap="square" rtlCol="0">
-            <a:spAutoFit/>
-          </a:bodyPr>
-          <a:lstStyle/>
-          <a:p>
-            <a:pPr algn="ctr"/>
-            <a:r>
-              <a:rPr lang="en-US" b="1" dirty="0">
-                <a:effectLst>
-                  <a:outerShdw blurRad="38100" dist="38100" dir="2700000" algn="tl">
-                    <a:srgbClr val="000000">
-                      <a:alpha val="43137"/>
-                    </a:srgbClr>
-                  </a:outerShdw>
-                </a:effectLst>
-              </a:rPr>
-              <a:t>Show</a:t>
-            </a:r>
-          </a:p>
-        </p:txBody>
-      </p:sp>
-      <p:sp>
-        <p:nvSpPr>
-          <p:cNvPr id="13" name="Hide">
-            <a:extLst>
-              <a:ext uri="{FF2B5EF4-FFF2-40B4-BE49-F238E27FC236}">
-                <a16:creationId xmlns:a16="http://schemas.microsoft.com/office/drawing/2014/main" id="{96A66F9C-8611-4C3D-8F63-8EF247CB849D}"/>
-              </a:ext>
-            </a:extLst>
-          </p:cNvPr>
-          <p:cNvSpPr txBox="1"/>
-          <p:nvPr/>
-        </p:nvSpPr>
-        <p:spPr>
-          <a:xfrm>
-            <a:off x="6958791" y="6263120"/>
-            <a:ext cx="1232665" cy="369332"/>
-          </a:xfrm>
-          <a:prstGeom prst="rect">
-            <a:avLst/>
-          </a:prstGeom>
-          <a:gradFill>
-            <a:gsLst>
-              <a:gs pos="0">
-                <a:schemeClr val="accent6">
-                  <a:lumMod val="40000"/>
-                  <a:lumOff val="60000"/>
-                </a:schemeClr>
-              </a:gs>
-              <a:gs pos="84000">
-                <a:srgbClr val="0070C0">
-                  <a:alpha val="72000"/>
-                </a:srgbClr>
-              </a:gs>
-              <a:gs pos="28000">
-                <a:srgbClr val="0070C0">
-                  <a:alpha val="72000"/>
-                </a:srgbClr>
-              </a:gs>
-              <a:gs pos="100000">
-                <a:schemeClr val="bg2">
-                  <a:lumMod val="75000"/>
-                </a:schemeClr>
-              </a:gs>
-            </a:gsLst>
-            <a:lin ang="5400000" scaled="1"/>
-          </a:gradFill>
-          <a:ln>
-            <a:solidFill>
-              <a:schemeClr val="bg1">
-                <a:lumMod val="85000"/>
-                <a:lumOff val="15000"/>
-              </a:schemeClr>
-            </a:solidFill>
-          </a:ln>
-          <a:effectLst>
-            <a:glow rad="101600">
-              <a:schemeClr val="accent1">
-                <a:satMod val="175000"/>
-                <a:alpha val="40000"/>
-              </a:schemeClr>
-            </a:glow>
-            <a:outerShdw blurRad="50800" dist="38100" dir="2700000" algn="tl" rotWithShape="0">
-              <a:prstClr val="black">
-                <a:alpha val="40000"/>
-              </a:prstClr>
-            </a:outerShdw>
-          </a:effectLst>
-          <a:scene3d>
-            <a:camera prst="orthographicFront"/>
-            <a:lightRig rig="threePt" dir="t"/>
-          </a:scene3d>
-          <a:sp3d>
-            <a:bevelT prst="relaxedInset"/>
-          </a:sp3d>
-        </p:spPr>
-        <p:txBody>
-          <a:bodyPr wrap="square" rtlCol="0">
-            <a:spAutoFit/>
-          </a:bodyPr>
-          <a:lstStyle/>
-          <a:p>
-            <a:pPr algn="ctr"/>
-            <a:r>
-              <a:rPr lang="en-US" b="1" dirty="0">
-                <a:effectLst>
-                  <a:outerShdw blurRad="38100" dist="38100" dir="2700000" algn="tl">
-                    <a:srgbClr val="000000">
-                      <a:alpha val="43137"/>
-                    </a:srgbClr>
-                  </a:outerShdw>
-                </a:effectLst>
-              </a:rPr>
-              <a:t>Hide</a:t>
-            </a:r>
-          </a:p>
-        </p:txBody>
-      </p:sp>
-      <p:cxnSp>
-        <p:nvCxnSpPr>
-          <p:cNvPr id="17" name="Straight Connector 16">
-            <a:extLst>
-              <a:ext uri="{FF2B5EF4-FFF2-40B4-BE49-F238E27FC236}">
-                <a16:creationId xmlns:a16="http://schemas.microsoft.com/office/drawing/2014/main" id="{253A2A08-2302-4BE3-92D8-DABB5DBDE345}"/>
-              </a:ext>
-            </a:extLst>
-          </p:cNvPr>
-          <p:cNvCxnSpPr>
-            <a:cxnSpLocks/>
-          </p:cNvCxnSpPr>
-          <p:nvPr/>
-        </p:nvCxnSpPr>
-        <p:spPr>
-          <a:xfrm>
-            <a:off x="545354" y="1677669"/>
-            <a:ext cx="11101293" cy="0"/>
-          </a:xfrm>
-          <a:prstGeom prst="line">
-            <a:avLst/>
-          </a:prstGeom>
-          <a:ln w="28575" cap="sq">
-            <a:gradFill>
-              <a:gsLst>
-                <a:gs pos="0">
-                  <a:schemeClr val="accent1">
-                    <a:alpha val="0"/>
-                    <a:lumMod val="0"/>
-                    <a:lumOff val="100000"/>
-                  </a:schemeClr>
-                </a:gs>
-                <a:gs pos="50000">
-                  <a:schemeClr val="accent3">
-                    <a:lumMod val="20000"/>
-                    <a:lumOff val="80000"/>
-                  </a:schemeClr>
-                </a:gs>
-                <a:gs pos="20000">
-                  <a:schemeClr val="accent1">
-                    <a:lumMod val="40000"/>
-                    <a:lumOff val="60000"/>
-                    <a:alpha val="80000"/>
-                  </a:schemeClr>
-                </a:gs>
-                <a:gs pos="80000">
-                  <a:schemeClr val="accent1">
-                    <a:lumMod val="40000"/>
-                    <a:lumOff val="60000"/>
-                    <a:alpha val="80000"/>
-                  </a:schemeClr>
-                </a:gs>
-                <a:gs pos="100000">
-                  <a:schemeClr val="accent1">
-                    <a:alpha val="0"/>
-                    <a:lumMod val="0"/>
-                    <a:lumOff val="100000"/>
-                  </a:schemeClr>
-                </a:gs>
-              </a:gsLst>
-              <a:lin ang="0" scaled="0"/>
-            </a:gradFill>
-            <a:bevel/>
-          </a:ln>
-          <a:effectLst>
-            <a:glow rad="63500">
-              <a:schemeClr val="accent2">
-                <a:satMod val="175000"/>
-                <a:alpha val="40000"/>
-              </a:schemeClr>
-            </a:glow>
-          </a:effectLst>
-        </p:spPr>
-        <p:style>
-          <a:lnRef idx="1">
-            <a:schemeClr val="accent1"/>
-          </a:lnRef>
-          <a:fillRef idx="0">
-            <a:schemeClr val="accent1"/>
-          </a:fillRef>
-          <a:effectRef idx="0">
-            <a:schemeClr val="accent1"/>
-          </a:effectRef>
-          <a:fontRef idx="minor">
-            <a:schemeClr val="tx1"/>
-          </a:fontRef>
-        </p:style>
-      </p:cxnSp>
     </p:spTree>
     <p:extLst>
       <p:ext uri="{BB962C8B-B14F-4D97-AF65-F5344CB8AC3E}">
@@ -12952,7 +13067,7 @@
                                           </p:stCondLst>
                                         </p:cTn>
                                         <p:tgtEl>
-                                          <p:spTgt spid="9"/>
+                                          <p:spTgt spid="10"/>
                                         </p:tgtEl>
                                         <p:attrNameLst>
                                           <p:attrName>style.visibility</p:attrName>
@@ -12966,7 +13081,7 @@
                                       <p:cBhvr>
                                         <p:cTn id="13" dur="200" fill="hold"/>
                                         <p:tgtEl>
-                                          <p:spTgt spid="9"/>
+                                          <p:spTgt spid="10"/>
                                         </p:tgtEl>
                                         <p:attrNameLst>
                                           <p:attrName>ppt_w</p:attrName>
@@ -12989,7 +13104,7 @@
                                       <p:cBhvr>
                                         <p:cTn id="14" dur="200" fill="hold"/>
                                         <p:tgtEl>
-                                          <p:spTgt spid="9"/>
+                                          <p:spTgt spid="10"/>
                                         </p:tgtEl>
                                         <p:attrNameLst>
                                           <p:attrName>ppt_h</p:attrName>
@@ -13012,7 +13127,7 @@
                                       <p:cBhvr>
                                         <p:cTn id="15" dur="200"/>
                                         <p:tgtEl>
-                                          <p:spTgt spid="9"/>
+                                          <p:spTgt spid="10"/>
                                         </p:tgtEl>
                                       </p:cBhvr>
                                     </p:animEffect>
@@ -13042,7 +13157,7 @@
                                           </p:stCondLst>
                                         </p:cTn>
                                         <p:tgtEl>
-                                          <p:spTgt spid="13"/>
+                                          <p:spTgt spid="11"/>
                                         </p:tgtEl>
                                         <p:attrNameLst>
                                           <p:attrName>style.visibility</p:attrName>
@@ -13056,7 +13171,7 @@
                                       <p:cBhvr>
                                         <p:cTn id="19" dur="200" fill="hold"/>
                                         <p:tgtEl>
-                                          <p:spTgt spid="13"/>
+                                          <p:spTgt spid="11"/>
                                         </p:tgtEl>
                                         <p:attrNameLst>
                                           <p:attrName>ppt_w</p:attrName>
@@ -13079,7 +13194,7 @@
                                       <p:cBhvr>
                                         <p:cTn id="20" dur="200" fill="hold"/>
                                         <p:tgtEl>
-                                          <p:spTgt spid="13"/>
+                                          <p:spTgt spid="11"/>
                                         </p:tgtEl>
                                         <p:attrNameLst>
                                           <p:attrName>ppt_h</p:attrName>
@@ -13101,186 +13216,6 @@
                                     <p:animEffect transition="in" filter="fade">
                                       <p:cBhvr>
                                         <p:cTn id="21" dur="200"/>
-                                        <p:tgtEl>
-                                          <p:spTgt spid="13"/>
-                                        </p:tgtEl>
-                                      </p:cBhvr>
-                                    </p:animEffect>
-                                  </p:childTnLst>
-                                </p:cTn>
-                              </p:par>
-                            </p:childTnLst>
-                          </p:cTn>
-                        </p:par>
-                        <p:par>
-                          <p:cTn id="22" fill="hold">
-                            <p:stCondLst>
-                              <p:cond delay="600"/>
-                            </p:stCondLst>
-                            <p:childTnLst>
-                              <p:par>
-                                <p:cTn id="23" presetID="53" presetClass="entr" presetSubtype="16" fill="hold" grpId="0" nodeType="afterEffect">
-                                  <p:stCondLst>
-                                    <p:cond delay="0"/>
-                                  </p:stCondLst>
-                                  <p:childTnLst>
-                                    <p:set>
-                                      <p:cBhvr>
-                                        <p:cTn id="24" dur="1" fill="hold">
-                                          <p:stCondLst>
-                                            <p:cond delay="0"/>
-                                          </p:stCondLst>
-                                        </p:cTn>
-                                        <p:tgtEl>
-                                          <p:spTgt spid="10"/>
-                                        </p:tgtEl>
-                                        <p:attrNameLst>
-                                          <p:attrName>style.visibility</p:attrName>
-                                        </p:attrNameLst>
-                                      </p:cBhvr>
-                                      <p:to>
-                                        <p:strVal val="visible"/>
-                                      </p:to>
-                                    </p:set>
-                                    <p:anim calcmode="lin" valueType="num">
-                                      <p:cBhvr>
-                                        <p:cTn id="25" dur="200" fill="hold"/>
-                                        <p:tgtEl>
-                                          <p:spTgt spid="10"/>
-                                        </p:tgtEl>
-                                        <p:attrNameLst>
-                                          <p:attrName>ppt_w</p:attrName>
-                                        </p:attrNameLst>
-                                      </p:cBhvr>
-                                      <p:tavLst>
-                                        <p:tav tm="0">
-                                          <p:val>
-                                            <p:fltVal val="0"/>
-                                          </p:val>
-                                        </p:tav>
-                                        <p:tav tm="100000">
-                                          <p:val>
-                                            <p:strVal val="#ppt_w"/>
-                                          </p:val>
-                                        </p:tav>
-                                      </p:tavLst>
-                                    </p:anim>
-                                    <p:anim calcmode="lin" valueType="num">
-                                      <p:cBhvr>
-                                        <p:cTn id="26" dur="200" fill="hold"/>
-                                        <p:tgtEl>
-                                          <p:spTgt spid="10"/>
-                                        </p:tgtEl>
-                                        <p:attrNameLst>
-                                          <p:attrName>ppt_h</p:attrName>
-                                        </p:attrNameLst>
-                                      </p:cBhvr>
-                                      <p:tavLst>
-                                        <p:tav tm="0">
-                                          <p:val>
-                                            <p:fltVal val="0"/>
-                                          </p:val>
-                                        </p:tav>
-                                        <p:tav tm="100000">
-                                          <p:val>
-                                            <p:strVal val="#ppt_h"/>
-                                          </p:val>
-                                        </p:tav>
-                                      </p:tavLst>
-                                    </p:anim>
-                                    <p:animEffect transition="in" filter="fade">
-                                      <p:cBhvr>
-                                        <p:cTn id="27" dur="200"/>
-                                        <p:tgtEl>
-                                          <p:spTgt spid="10"/>
-                                        </p:tgtEl>
-                                      </p:cBhvr>
-                                    </p:animEffect>
-                                  </p:childTnLst>
-                                </p:cTn>
-                              </p:par>
-                            </p:childTnLst>
-                          </p:cTn>
-                        </p:par>
-                        <p:par>
-                          <p:cTn id="28" fill="hold">
-                            <p:stCondLst>
-                              <p:cond delay="800"/>
-                            </p:stCondLst>
-                            <p:childTnLst>
-                              <p:par>
-                                <p:cTn id="29" presetID="53" presetClass="entr" presetSubtype="16" fill="hold" grpId="0" nodeType="afterEffect">
-                                  <p:stCondLst>
-                                    <p:cond delay="0"/>
-                                  </p:stCondLst>
-                                  <p:childTnLst>
-                                    <p:set>
-                                      <p:cBhvr>
-                                        <p:cTn id="30" dur="1" fill="hold">
-                                          <p:stCondLst>
-                                            <p:cond delay="0"/>
-                                          </p:stCondLst>
-                                        </p:cTn>
-                                        <p:tgtEl>
-                                          <p:spTgt spid="11"/>
-                                        </p:tgtEl>
-                                        <p:attrNameLst>
-                                          <p:attrName>style.visibility</p:attrName>
-                                        </p:attrNameLst>
-                                      </p:cBhvr>
-                                      <p:to>
-                                        <p:strVal val="visible"/>
-                                      </p:to>
-                                    </p:set>
-                                    <p:anim calcmode="lin" valueType="num">
-                                      <p:cBhvr>
-                                        <p:cTn id="31" dur="200" fill="hold"/>
-                                        <p:tgtEl>
-                                          <p:spTgt spid="11"/>
-                                        </p:tgtEl>
-                                        <p:attrNameLst>
-                                          <p:attrName>ppt_w</p:attrName>
-                                        </p:attrNameLst>
-                                      </p:cBhvr>
-                                      <p:tavLst>
-                                        <p:tav tm="0">
-                                          <p:val>
-                                            <p:fltVal val="0"/>
-                                          </p:val>
-                                        </p:tav>
-                                        <p:tav tm="100000">
-                                          <p:val>
-                                            <p:strVal val="#ppt_w"/>
-                                          </p:val>
-                                        </p:tav>
-                                      </p:tavLst>
-                                    </p:anim>
-                                    <p:anim calcmode="lin" valueType="num">
-                                      <p:cBhvr>
-                                        <p:cTn id="32" dur="200" fill="hold"/>
-                                        <p:tgtEl>
-                                          <p:spTgt spid="11"/>
-                                        </p:tgtEl>
-                                        <p:attrNameLst>
-                                          <p:attrName>ppt_h</p:attrName>
-                                        </p:attrNameLst>
-                                      </p:cBhvr>
-                                      <p:tavLst>
-                                        <p:tav tm="0">
-                                          <p:val>
-                                            <p:fltVal val="0"/>
-                                          </p:val>
-                                        </p:tav>
-                                        <p:tav tm="100000">
-                                          <p:val>
-                                            <p:strVal val="#ppt_h"/>
-                                          </p:val>
-                                        </p:tav>
-                                      </p:tavLst>
-                                    </p:anim>
-                                    <p:animEffect transition="in" filter="fade">
-                                      <p:cBhvr>
-                                        <p:cTn id="33" dur="200"/>
                                         <p:tgtEl>
                                           <p:spTgt spid="11"/>
                                         </p:tgtEl>
@@ -13320,8 +13255,6 @@
       <p:bldP spid="10" grpId="0" animBg="1"/>
       <p:bldP spid="11" grpId="0" animBg="1"/>
       <p:bldP spid="12" grpId="0" animBg="1"/>
-      <p:bldP spid="9" grpId="0" animBg="1"/>
-      <p:bldP spid="13" grpId="0" animBg="1"/>
     </p:bldLst>
   </p:timing>
 </p:sld>
@@ -14401,94 +14334,46 @@
           </a:p>
         </p:txBody>
       </p:sp>
-      <p:cxnSp>
-        <p:nvCxnSpPr>
-          <p:cNvPr id="15" name="Straight Connector 14">
+      <p:pic>
+        <p:nvPicPr>
+          <p:cNvPr id="4" name="Picture 3">
             <a:extLst>
               <a:ext uri="{FF2B5EF4-FFF2-40B4-BE49-F238E27FC236}">
-                <a16:creationId xmlns:a16="http://schemas.microsoft.com/office/drawing/2014/main" id="{867D6C2D-9021-48E9-A2E2-30C27FB749DC}"/>
+                <a16:creationId xmlns:a16="http://schemas.microsoft.com/office/drawing/2014/main" id="{FE0E7A07-DCA1-45F3-97BC-DD7D48618734}"/>
               </a:ext>
             </a:extLst>
           </p:cNvPr>
-          <p:cNvCxnSpPr>
-            <a:cxnSpLocks/>
-          </p:cNvCxnSpPr>
+          <p:cNvPicPr>
+            <a:picLocks noChangeAspect="1"/>
+          </p:cNvPicPr>
           <p:nvPr/>
-        </p:nvCxnSpPr>
+        </p:nvPicPr>
+        <p:blipFill>
+          <a:blip r:embed="rId3"/>
+          <a:stretch>
+            <a:fillRect/>
+          </a:stretch>
+        </p:blipFill>
         <p:spPr>
           <a:xfrm>
-            <a:off x="545354" y="1677669"/>
-            <a:ext cx="11101293" cy="0"/>
+            <a:off x="919162" y="876300"/>
+            <a:ext cx="10353675" cy="5105400"/>
           </a:xfrm>
-          <a:prstGeom prst="line">
+          <a:prstGeom prst="rect">
             <a:avLst/>
           </a:prstGeom>
-          <a:ln w="28575" cap="sq">
-            <a:gradFill>
-              <a:gsLst>
-                <a:gs pos="0">
-                  <a:schemeClr val="accent1">
-                    <a:alpha val="0"/>
-                    <a:lumMod val="0"/>
-                    <a:lumOff val="100000"/>
-                  </a:schemeClr>
-                </a:gs>
-                <a:gs pos="50000">
-                  <a:schemeClr val="accent3">
-                    <a:lumMod val="20000"/>
-                    <a:lumOff val="80000"/>
-                  </a:schemeClr>
-                </a:gs>
-                <a:gs pos="20000">
-                  <a:schemeClr val="accent1">
-                    <a:lumMod val="40000"/>
-                    <a:lumOff val="60000"/>
-                    <a:alpha val="80000"/>
-                  </a:schemeClr>
-                </a:gs>
-                <a:gs pos="80000">
-                  <a:schemeClr val="accent1">
-                    <a:lumMod val="40000"/>
-                    <a:lumOff val="60000"/>
-                    <a:alpha val="80000"/>
-                  </a:schemeClr>
-                </a:gs>
-                <a:gs pos="100000">
-                  <a:schemeClr val="accent1">
-                    <a:alpha val="0"/>
-                    <a:lumMod val="0"/>
-                    <a:lumOff val="100000"/>
-                  </a:schemeClr>
-                </a:gs>
-              </a:gsLst>
-              <a:lin ang="0" scaled="0"/>
-            </a:gradFill>
-            <a:bevel/>
+          <a:ln>
+            <a:noFill/>
           </a:ln>
           <a:effectLst>
-            <a:glow rad="63500">
-              <a:schemeClr val="accent2">
-                <a:satMod val="175000"/>
-                <a:alpha val="40000"/>
-              </a:schemeClr>
-            </a:glow>
+            <a:outerShdw blurRad="292100" dist="139700" dir="2700000" algn="tl" rotWithShape="0">
+              <a:srgbClr val="333333">
+                <a:alpha val="65000"/>
+              </a:srgbClr>
+            </a:outerShdw>
           </a:effectLst>
         </p:spPr>
-        <p:style>
-          <a:lnRef idx="1">
-            <a:schemeClr val="accent1"/>
-          </a:lnRef>
-          <a:fillRef idx="0">
-            <a:schemeClr val="accent1"/>
-          </a:fillRef>
-          <a:effectRef idx="0">
-            <a:schemeClr val="accent1"/>
-          </a:effectRef>
-          <a:fontRef idx="minor">
-            <a:schemeClr val="tx1"/>
-          </a:fontRef>
-        </p:style>
-      </p:cxnSp>
+      </p:pic>
     </p:spTree>
     <p:extLst>
       <p:ext uri="{BB962C8B-B14F-4D97-AF65-F5344CB8AC3E}">
@@ -14998,6 +14883,250 @@
                 </p:cond>
               </p:nextCondLst>
             </p:seq>
+            <p:seq concurrent="1" nextAc="seek">
+              <p:cTn id="34" restart="whenNotActive" fill="hold" evtFilter="cancelBubble" nodeType="interactiveSeq">
+                <p:stCondLst>
+                  <p:cond evt="onClick" delay="0">
+                    <p:tgtEl>
+                      <p:spTgt spid="9"/>
+                    </p:tgtEl>
+                  </p:cond>
+                </p:stCondLst>
+                <p:endSync evt="end" delay="0">
+                  <p:rtn val="all"/>
+                </p:endSync>
+                <p:childTnLst>
+                  <p:par>
+                    <p:cTn id="35" fill="hold">
+                      <p:stCondLst>
+                        <p:cond delay="0"/>
+                      </p:stCondLst>
+                      <p:childTnLst>
+                        <p:par>
+                          <p:cTn id="36" fill="hold">
+                            <p:stCondLst>
+                              <p:cond delay="0"/>
+                            </p:stCondLst>
+                            <p:childTnLst>
+                              <p:par>
+                                <p:cTn id="37" presetID="53" presetClass="entr" presetSubtype="16" fill="hold" nodeType="clickEffect">
+                                  <p:stCondLst>
+                                    <p:cond delay="0"/>
+                                  </p:stCondLst>
+                                  <p:childTnLst>
+                                    <p:set>
+                                      <p:cBhvr>
+                                        <p:cTn id="38" dur="1" fill="hold">
+                                          <p:stCondLst>
+                                            <p:cond delay="0"/>
+                                          </p:stCondLst>
+                                        </p:cTn>
+                                        <p:tgtEl>
+                                          <p:spTgt spid="4"/>
+                                        </p:tgtEl>
+                                        <p:attrNameLst>
+                                          <p:attrName>style.visibility</p:attrName>
+                                        </p:attrNameLst>
+                                      </p:cBhvr>
+                                      <p:to>
+                                        <p:strVal val="visible"/>
+                                      </p:to>
+                                    </p:set>
+                                    <p:anim calcmode="lin" valueType="num">
+                                      <p:cBhvr>
+                                        <p:cTn id="39" dur="500" fill="hold"/>
+                                        <p:tgtEl>
+                                          <p:spTgt spid="4"/>
+                                        </p:tgtEl>
+                                        <p:attrNameLst>
+                                          <p:attrName>ppt_w</p:attrName>
+                                        </p:attrNameLst>
+                                      </p:cBhvr>
+                                      <p:tavLst>
+                                        <p:tav tm="0">
+                                          <p:val>
+                                            <p:fltVal val="0"/>
+                                          </p:val>
+                                        </p:tav>
+                                        <p:tav tm="100000">
+                                          <p:val>
+                                            <p:strVal val="#ppt_w"/>
+                                          </p:val>
+                                        </p:tav>
+                                      </p:tavLst>
+                                    </p:anim>
+                                    <p:anim calcmode="lin" valueType="num">
+                                      <p:cBhvr>
+                                        <p:cTn id="40" dur="500" fill="hold"/>
+                                        <p:tgtEl>
+                                          <p:spTgt spid="4"/>
+                                        </p:tgtEl>
+                                        <p:attrNameLst>
+                                          <p:attrName>ppt_h</p:attrName>
+                                        </p:attrNameLst>
+                                      </p:cBhvr>
+                                      <p:tavLst>
+                                        <p:tav tm="0">
+                                          <p:val>
+                                            <p:fltVal val="0"/>
+                                          </p:val>
+                                        </p:tav>
+                                        <p:tav tm="100000">
+                                          <p:val>
+                                            <p:strVal val="#ppt_h"/>
+                                          </p:val>
+                                        </p:tav>
+                                      </p:tavLst>
+                                    </p:anim>
+                                    <p:animEffect transition="in" filter="fade">
+                                      <p:cBhvr>
+                                        <p:cTn id="41" dur="500"/>
+                                        <p:tgtEl>
+                                          <p:spTgt spid="4"/>
+                                        </p:tgtEl>
+                                      </p:cBhvr>
+                                    </p:animEffect>
+                                  </p:childTnLst>
+                                </p:cTn>
+                              </p:par>
+                            </p:childTnLst>
+                          </p:cTn>
+                        </p:par>
+                      </p:childTnLst>
+                    </p:cTn>
+                  </p:par>
+                </p:childTnLst>
+              </p:cTn>
+              <p:nextCondLst>
+                <p:cond evt="onClick" delay="0">
+                  <p:tgtEl>
+                    <p:spTgt spid="9"/>
+                  </p:tgtEl>
+                </p:cond>
+              </p:nextCondLst>
+            </p:seq>
+            <p:seq concurrent="1" nextAc="seek">
+              <p:cTn id="42" restart="whenNotActive" fill="hold" evtFilter="cancelBubble" nodeType="interactiveSeq">
+                <p:stCondLst>
+                  <p:cond evt="onClick" delay="0">
+                    <p:tgtEl>
+                      <p:spTgt spid="13"/>
+                    </p:tgtEl>
+                  </p:cond>
+                </p:stCondLst>
+                <p:endSync evt="end" delay="0">
+                  <p:rtn val="all"/>
+                </p:endSync>
+                <p:childTnLst>
+                  <p:par>
+                    <p:cTn id="43" fill="hold">
+                      <p:stCondLst>
+                        <p:cond delay="0"/>
+                      </p:stCondLst>
+                      <p:childTnLst>
+                        <p:par>
+                          <p:cTn id="44" fill="hold">
+                            <p:stCondLst>
+                              <p:cond delay="0"/>
+                            </p:stCondLst>
+                            <p:childTnLst>
+                              <p:par>
+                                <p:cTn id="45" presetID="53" presetClass="exit" presetSubtype="32" fill="hold" nodeType="clickEffect">
+                                  <p:stCondLst>
+                                    <p:cond delay="0"/>
+                                  </p:stCondLst>
+                                  <p:childTnLst>
+                                    <p:anim calcmode="lin" valueType="num">
+                                      <p:cBhvr>
+                                        <p:cTn id="46" dur="500"/>
+                                        <p:tgtEl>
+                                          <p:spTgt spid="4"/>
+                                        </p:tgtEl>
+                                        <p:attrNameLst>
+                                          <p:attrName>ppt_w</p:attrName>
+                                        </p:attrNameLst>
+                                      </p:cBhvr>
+                                      <p:tavLst>
+                                        <p:tav tm="0">
+                                          <p:val>
+                                            <p:strVal val="ppt_w"/>
+                                          </p:val>
+                                        </p:tav>
+                                        <p:tav tm="100000">
+                                          <p:val>
+                                            <p:fltVal val="0"/>
+                                          </p:val>
+                                        </p:tav>
+                                      </p:tavLst>
+                                    </p:anim>
+                                    <p:anim calcmode="lin" valueType="num">
+                                      <p:cBhvr>
+                                        <p:cTn id="47" dur="500"/>
+                                        <p:tgtEl>
+                                          <p:spTgt spid="4"/>
+                                        </p:tgtEl>
+                                        <p:attrNameLst>
+                                          <p:attrName>ppt_h</p:attrName>
+                                        </p:attrNameLst>
+                                      </p:cBhvr>
+                                      <p:tavLst>
+                                        <p:tav tm="0">
+                                          <p:val>
+                                            <p:strVal val="ppt_h"/>
+                                          </p:val>
+                                        </p:tav>
+                                        <p:tav tm="100000">
+                                          <p:val>
+                                            <p:fltVal val="0"/>
+                                          </p:val>
+                                        </p:tav>
+                                      </p:tavLst>
+                                    </p:anim>
+                                    <p:animEffect transition="out" filter="fade">
+                                      <p:cBhvr>
+                                        <p:cTn id="48" dur="500"/>
+                                        <p:tgtEl>
+                                          <p:spTgt spid="4"/>
+                                        </p:tgtEl>
+                                      </p:cBhvr>
+                                    </p:animEffect>
+                                    <p:set>
+                                      <p:cBhvr>
+                                        <p:cTn id="49" dur="1" fill="hold">
+                                          <p:stCondLst>
+                                            <p:cond delay="499"/>
+                                          </p:stCondLst>
+                                        </p:cTn>
+                                        <p:tgtEl>
+                                          <p:spTgt spid="4"/>
+                                        </p:tgtEl>
+                                        <p:attrNameLst>
+                                          <p:attrName>style.visibility</p:attrName>
+                                        </p:attrNameLst>
+                                      </p:cBhvr>
+                                      <p:to>
+                                        <p:strVal val="hidden"/>
+                                      </p:to>
+                                    </p:set>
+                                  </p:childTnLst>
+                                </p:cTn>
+                              </p:par>
+                            </p:childTnLst>
+                          </p:cTn>
+                        </p:par>
+                      </p:childTnLst>
+                    </p:cTn>
+                  </p:par>
+                </p:childTnLst>
+              </p:cTn>
+              <p:nextCondLst>
+                <p:cond evt="onClick" delay="0">
+                  <p:tgtEl>
+                    <p:spTgt spid="13"/>
+                  </p:tgtEl>
+                </p:cond>
+              </p:nextCondLst>
+            </p:seq>
           </p:childTnLst>
         </p:cTn>
       </p:par>
@@ -15763,94 +15892,46 @@
           </a:prstGeom>
         </p:spPr>
       </p:pic>
-      <p:cxnSp>
-        <p:nvCxnSpPr>
-          <p:cNvPr id="16" name="Straight Connector 15">
+      <p:pic>
+        <p:nvPicPr>
+          <p:cNvPr id="5" name="Picture 4">
             <a:extLst>
               <a:ext uri="{FF2B5EF4-FFF2-40B4-BE49-F238E27FC236}">
-                <a16:creationId xmlns:a16="http://schemas.microsoft.com/office/drawing/2014/main" id="{C4100462-4E7D-4995-BD59-640B729A66D1}"/>
+                <a16:creationId xmlns:a16="http://schemas.microsoft.com/office/drawing/2014/main" id="{64C9B841-421A-4204-AAE7-09AFE20AE4C3}"/>
               </a:ext>
             </a:extLst>
           </p:cNvPr>
-          <p:cNvCxnSpPr>
-            <a:cxnSpLocks/>
-          </p:cNvCxnSpPr>
+          <p:cNvPicPr>
+            <a:picLocks noChangeAspect="1"/>
+          </p:cNvPicPr>
           <p:nvPr/>
-        </p:nvCxnSpPr>
+        </p:nvPicPr>
+        <p:blipFill>
+          <a:blip r:embed="rId4"/>
+          <a:stretch>
+            <a:fillRect/>
+          </a:stretch>
+        </p:blipFill>
         <p:spPr>
           <a:xfrm>
-            <a:off x="545354" y="1677669"/>
-            <a:ext cx="11101293" cy="0"/>
+            <a:off x="1502896" y="412851"/>
+            <a:ext cx="9186209" cy="5607381"/>
           </a:xfrm>
-          <a:prstGeom prst="line">
+          <a:prstGeom prst="rect">
             <a:avLst/>
           </a:prstGeom>
-          <a:ln w="28575" cap="sq">
-            <a:gradFill>
-              <a:gsLst>
-                <a:gs pos="0">
-                  <a:schemeClr val="accent1">
-                    <a:alpha val="0"/>
-                    <a:lumMod val="0"/>
-                    <a:lumOff val="100000"/>
-                  </a:schemeClr>
-                </a:gs>
-                <a:gs pos="50000">
-                  <a:schemeClr val="accent3">
-                    <a:lumMod val="20000"/>
-                    <a:lumOff val="80000"/>
-                  </a:schemeClr>
-                </a:gs>
-                <a:gs pos="20000">
-                  <a:schemeClr val="accent1">
-                    <a:lumMod val="40000"/>
-                    <a:lumOff val="60000"/>
-                    <a:alpha val="80000"/>
-                  </a:schemeClr>
-                </a:gs>
-                <a:gs pos="80000">
-                  <a:schemeClr val="accent1">
-                    <a:lumMod val="40000"/>
-                    <a:lumOff val="60000"/>
-                    <a:alpha val="80000"/>
-                  </a:schemeClr>
-                </a:gs>
-                <a:gs pos="100000">
-                  <a:schemeClr val="accent1">
-                    <a:alpha val="0"/>
-                    <a:lumMod val="0"/>
-                    <a:lumOff val="100000"/>
-                  </a:schemeClr>
-                </a:gs>
-              </a:gsLst>
-              <a:lin ang="0" scaled="0"/>
-            </a:gradFill>
-            <a:bevel/>
+          <a:ln>
+            <a:noFill/>
           </a:ln>
           <a:effectLst>
-            <a:glow rad="63500">
-              <a:schemeClr val="accent2">
-                <a:satMod val="175000"/>
-                <a:alpha val="40000"/>
-              </a:schemeClr>
-            </a:glow>
+            <a:outerShdw blurRad="292100" dist="139700" dir="2700000" algn="tl" rotWithShape="0">
+              <a:srgbClr val="333333">
+                <a:alpha val="65000"/>
+              </a:srgbClr>
+            </a:outerShdw>
           </a:effectLst>
         </p:spPr>
-        <p:style>
-          <a:lnRef idx="1">
-            <a:schemeClr val="accent1"/>
-          </a:lnRef>
-          <a:fillRef idx="0">
-            <a:schemeClr val="accent1"/>
-          </a:fillRef>
-          <a:effectRef idx="0">
-            <a:schemeClr val="accent1"/>
-          </a:effectRef>
-          <a:fontRef idx="minor">
-            <a:schemeClr val="tx1"/>
-          </a:fontRef>
-        </p:style>
-      </p:cxnSp>
+      </p:pic>
     </p:spTree>
     <p:extLst>
       <p:ext uri="{BB962C8B-B14F-4D97-AF65-F5344CB8AC3E}">
@@ -16404,6 +16485,250 @@
                 </p:cond>
               </p:nextCondLst>
             </p:seq>
+            <p:seq concurrent="1" nextAc="seek">
+              <p:cTn id="38" restart="whenNotActive" fill="hold" evtFilter="cancelBubble" nodeType="interactiveSeq">
+                <p:stCondLst>
+                  <p:cond evt="onClick" delay="0">
+                    <p:tgtEl>
+                      <p:spTgt spid="9"/>
+                    </p:tgtEl>
+                  </p:cond>
+                </p:stCondLst>
+                <p:endSync evt="end" delay="0">
+                  <p:rtn val="all"/>
+                </p:endSync>
+                <p:childTnLst>
+                  <p:par>
+                    <p:cTn id="39" fill="hold">
+                      <p:stCondLst>
+                        <p:cond delay="0"/>
+                      </p:stCondLst>
+                      <p:childTnLst>
+                        <p:par>
+                          <p:cTn id="40" fill="hold">
+                            <p:stCondLst>
+                              <p:cond delay="0"/>
+                            </p:stCondLst>
+                            <p:childTnLst>
+                              <p:par>
+                                <p:cTn id="41" presetID="53" presetClass="entr" presetSubtype="16" fill="hold" nodeType="clickEffect">
+                                  <p:stCondLst>
+                                    <p:cond delay="0"/>
+                                  </p:stCondLst>
+                                  <p:childTnLst>
+                                    <p:set>
+                                      <p:cBhvr>
+                                        <p:cTn id="42" dur="1" fill="hold">
+                                          <p:stCondLst>
+                                            <p:cond delay="0"/>
+                                          </p:stCondLst>
+                                        </p:cTn>
+                                        <p:tgtEl>
+                                          <p:spTgt spid="5"/>
+                                        </p:tgtEl>
+                                        <p:attrNameLst>
+                                          <p:attrName>style.visibility</p:attrName>
+                                        </p:attrNameLst>
+                                      </p:cBhvr>
+                                      <p:to>
+                                        <p:strVal val="visible"/>
+                                      </p:to>
+                                    </p:set>
+                                    <p:anim calcmode="lin" valueType="num">
+                                      <p:cBhvr>
+                                        <p:cTn id="43" dur="500" fill="hold"/>
+                                        <p:tgtEl>
+                                          <p:spTgt spid="5"/>
+                                        </p:tgtEl>
+                                        <p:attrNameLst>
+                                          <p:attrName>ppt_w</p:attrName>
+                                        </p:attrNameLst>
+                                      </p:cBhvr>
+                                      <p:tavLst>
+                                        <p:tav tm="0">
+                                          <p:val>
+                                            <p:fltVal val="0"/>
+                                          </p:val>
+                                        </p:tav>
+                                        <p:tav tm="100000">
+                                          <p:val>
+                                            <p:strVal val="#ppt_w"/>
+                                          </p:val>
+                                        </p:tav>
+                                      </p:tavLst>
+                                    </p:anim>
+                                    <p:anim calcmode="lin" valueType="num">
+                                      <p:cBhvr>
+                                        <p:cTn id="44" dur="500" fill="hold"/>
+                                        <p:tgtEl>
+                                          <p:spTgt spid="5"/>
+                                        </p:tgtEl>
+                                        <p:attrNameLst>
+                                          <p:attrName>ppt_h</p:attrName>
+                                        </p:attrNameLst>
+                                      </p:cBhvr>
+                                      <p:tavLst>
+                                        <p:tav tm="0">
+                                          <p:val>
+                                            <p:fltVal val="0"/>
+                                          </p:val>
+                                        </p:tav>
+                                        <p:tav tm="100000">
+                                          <p:val>
+                                            <p:strVal val="#ppt_h"/>
+                                          </p:val>
+                                        </p:tav>
+                                      </p:tavLst>
+                                    </p:anim>
+                                    <p:animEffect transition="in" filter="fade">
+                                      <p:cBhvr>
+                                        <p:cTn id="45" dur="500"/>
+                                        <p:tgtEl>
+                                          <p:spTgt spid="5"/>
+                                        </p:tgtEl>
+                                      </p:cBhvr>
+                                    </p:animEffect>
+                                  </p:childTnLst>
+                                </p:cTn>
+                              </p:par>
+                            </p:childTnLst>
+                          </p:cTn>
+                        </p:par>
+                      </p:childTnLst>
+                    </p:cTn>
+                  </p:par>
+                </p:childTnLst>
+              </p:cTn>
+              <p:nextCondLst>
+                <p:cond evt="onClick" delay="0">
+                  <p:tgtEl>
+                    <p:spTgt spid="9"/>
+                  </p:tgtEl>
+                </p:cond>
+              </p:nextCondLst>
+            </p:seq>
+            <p:seq concurrent="1" nextAc="seek">
+              <p:cTn id="46" restart="whenNotActive" fill="hold" evtFilter="cancelBubble" nodeType="interactiveSeq">
+                <p:stCondLst>
+                  <p:cond evt="onClick" delay="0">
+                    <p:tgtEl>
+                      <p:spTgt spid="13"/>
+                    </p:tgtEl>
+                  </p:cond>
+                </p:stCondLst>
+                <p:endSync evt="end" delay="0">
+                  <p:rtn val="all"/>
+                </p:endSync>
+                <p:childTnLst>
+                  <p:par>
+                    <p:cTn id="47" fill="hold">
+                      <p:stCondLst>
+                        <p:cond delay="0"/>
+                      </p:stCondLst>
+                      <p:childTnLst>
+                        <p:par>
+                          <p:cTn id="48" fill="hold">
+                            <p:stCondLst>
+                              <p:cond delay="0"/>
+                            </p:stCondLst>
+                            <p:childTnLst>
+                              <p:par>
+                                <p:cTn id="49" presetID="53" presetClass="exit" presetSubtype="32" fill="hold" nodeType="clickEffect">
+                                  <p:stCondLst>
+                                    <p:cond delay="0"/>
+                                  </p:stCondLst>
+                                  <p:childTnLst>
+                                    <p:anim calcmode="lin" valueType="num">
+                                      <p:cBhvr>
+                                        <p:cTn id="50" dur="500"/>
+                                        <p:tgtEl>
+                                          <p:spTgt spid="5"/>
+                                        </p:tgtEl>
+                                        <p:attrNameLst>
+                                          <p:attrName>ppt_w</p:attrName>
+                                        </p:attrNameLst>
+                                      </p:cBhvr>
+                                      <p:tavLst>
+                                        <p:tav tm="0">
+                                          <p:val>
+                                            <p:strVal val="ppt_w"/>
+                                          </p:val>
+                                        </p:tav>
+                                        <p:tav tm="100000">
+                                          <p:val>
+                                            <p:fltVal val="0"/>
+                                          </p:val>
+                                        </p:tav>
+                                      </p:tavLst>
+                                    </p:anim>
+                                    <p:anim calcmode="lin" valueType="num">
+                                      <p:cBhvr>
+                                        <p:cTn id="51" dur="500"/>
+                                        <p:tgtEl>
+                                          <p:spTgt spid="5"/>
+                                        </p:tgtEl>
+                                        <p:attrNameLst>
+                                          <p:attrName>ppt_h</p:attrName>
+                                        </p:attrNameLst>
+                                      </p:cBhvr>
+                                      <p:tavLst>
+                                        <p:tav tm="0">
+                                          <p:val>
+                                            <p:strVal val="ppt_h"/>
+                                          </p:val>
+                                        </p:tav>
+                                        <p:tav tm="100000">
+                                          <p:val>
+                                            <p:fltVal val="0"/>
+                                          </p:val>
+                                        </p:tav>
+                                      </p:tavLst>
+                                    </p:anim>
+                                    <p:animEffect transition="out" filter="fade">
+                                      <p:cBhvr>
+                                        <p:cTn id="52" dur="500"/>
+                                        <p:tgtEl>
+                                          <p:spTgt spid="5"/>
+                                        </p:tgtEl>
+                                      </p:cBhvr>
+                                    </p:animEffect>
+                                    <p:set>
+                                      <p:cBhvr>
+                                        <p:cTn id="53" dur="1" fill="hold">
+                                          <p:stCondLst>
+                                            <p:cond delay="499"/>
+                                          </p:stCondLst>
+                                        </p:cTn>
+                                        <p:tgtEl>
+                                          <p:spTgt spid="5"/>
+                                        </p:tgtEl>
+                                        <p:attrNameLst>
+                                          <p:attrName>style.visibility</p:attrName>
+                                        </p:attrNameLst>
+                                      </p:cBhvr>
+                                      <p:to>
+                                        <p:strVal val="hidden"/>
+                                      </p:to>
+                                    </p:set>
+                                  </p:childTnLst>
+                                </p:cTn>
+                              </p:par>
+                            </p:childTnLst>
+                          </p:cTn>
+                        </p:par>
+                      </p:childTnLst>
+                    </p:cTn>
+                  </p:par>
+                </p:childTnLst>
+              </p:cTn>
+              <p:nextCondLst>
+                <p:cond evt="onClick" delay="0">
+                  <p:tgtEl>
+                    <p:spTgt spid="13"/>
+                  </p:tgtEl>
+                </p:cond>
+              </p:nextCondLst>
+            </p:seq>
           </p:childTnLst>
         </p:cTn>
       </p:par>
@@ -16932,94 +17257,109 @@
           </a:p>
         </p:txBody>
       </p:sp>
-      <p:cxnSp>
-        <p:nvCxnSpPr>
-          <p:cNvPr id="10" name="Straight Connector 9">
+      <p:sp>
+        <p:nvSpPr>
+          <p:cNvPr id="11" name="Contents">
+            <a:hlinkClick r:id="rId2" action="ppaction://hlinksldjump"/>
             <a:extLst>
               <a:ext uri="{FF2B5EF4-FFF2-40B4-BE49-F238E27FC236}">
-                <a16:creationId xmlns:a16="http://schemas.microsoft.com/office/drawing/2014/main" id="{C2C7456C-D818-47A4-9C4D-C541BCE658A7}"/>
+                <a16:creationId xmlns:a16="http://schemas.microsoft.com/office/drawing/2014/main" id="{A1D10DD8-C8D5-4145-B2D0-791D95AE4F79}"/>
               </a:ext>
             </a:extLst>
           </p:cNvPr>
-          <p:cNvCxnSpPr>
-            <a:cxnSpLocks/>
-          </p:cNvCxnSpPr>
+          <p:cNvSpPr txBox="1"/>
           <p:nvPr/>
-        </p:nvCxnSpPr>
+        </p:nvSpPr>
         <p:spPr>
           <a:xfrm>
-            <a:off x="545354" y="1677669"/>
-            <a:ext cx="11101293" cy="0"/>
+            <a:off x="3185181" y="6263120"/>
+            <a:ext cx="1541403" cy="369332"/>
           </a:xfrm>
-          <a:prstGeom prst="line">
+          <a:prstGeom prst="rect">
             <a:avLst/>
           </a:prstGeom>
-          <a:ln w="28575" cap="sq">
-            <a:gradFill>
-              <a:gsLst>
-                <a:gs pos="0">
-                  <a:schemeClr val="accent1">
-                    <a:alpha val="0"/>
-                    <a:lumMod val="0"/>
-                    <a:lumOff val="100000"/>
-                  </a:schemeClr>
-                </a:gs>
-                <a:gs pos="50000">
-                  <a:schemeClr val="accent3">
-                    <a:lumMod val="20000"/>
-                    <a:lumOff val="80000"/>
-                  </a:schemeClr>
-                </a:gs>
-                <a:gs pos="20000">
-                  <a:schemeClr val="accent1">
-                    <a:lumMod val="40000"/>
-                    <a:lumOff val="60000"/>
-                    <a:alpha val="80000"/>
-                  </a:schemeClr>
-                </a:gs>
-                <a:gs pos="80000">
-                  <a:schemeClr val="accent1">
-                    <a:lumMod val="40000"/>
-                    <a:lumOff val="60000"/>
-                    <a:alpha val="80000"/>
-                  </a:schemeClr>
-                </a:gs>
-                <a:gs pos="100000">
-                  <a:schemeClr val="accent1">
-                    <a:alpha val="0"/>
-                    <a:lumMod val="0"/>
-                    <a:lumOff val="100000"/>
-                  </a:schemeClr>
-                </a:gs>
-              </a:gsLst>
-              <a:lin ang="0" scaled="0"/>
-            </a:gradFill>
-            <a:bevel/>
+          <a:gradFill>
+            <a:gsLst>
+              <a:gs pos="0">
+                <a:srgbClr val="F1FE92"/>
+              </a:gs>
+              <a:gs pos="84000">
+                <a:srgbClr val="FFC000">
+                  <a:alpha val="72000"/>
+                </a:srgbClr>
+              </a:gs>
+              <a:gs pos="28000">
+                <a:srgbClr val="FFC000">
+                  <a:alpha val="72000"/>
+                </a:srgbClr>
+              </a:gs>
+              <a:gs pos="100000">
+                <a:schemeClr val="bg2">
+                  <a:lumMod val="75000"/>
+                </a:schemeClr>
+              </a:gs>
+            </a:gsLst>
+            <a:lin ang="5400000" scaled="1"/>
+          </a:gradFill>
+          <a:ln>
+            <a:solidFill>
+              <a:schemeClr val="bg1">
+                <a:lumMod val="85000"/>
+                <a:lumOff val="15000"/>
+              </a:schemeClr>
+            </a:solidFill>
           </a:ln>
           <a:effectLst>
-            <a:glow rad="63500">
-              <a:schemeClr val="accent2">
-                <a:satMod val="175000"/>
+            <a:glow rad="101600">
+              <a:srgbClr val="FFFF00">
                 <a:alpha val="40000"/>
-              </a:schemeClr>
+              </a:srgbClr>
             </a:glow>
+            <a:outerShdw blurRad="50800" dist="38100" dir="2700000" algn="tl" rotWithShape="0">
+              <a:prstClr val="black">
+                <a:alpha val="40000"/>
+              </a:prstClr>
+            </a:outerShdw>
           </a:effectLst>
+          <a:scene3d>
+            <a:camera prst="orthographicFront"/>
+            <a:lightRig rig="threePt" dir="t"/>
+          </a:scene3d>
+          <a:sp3d>
+            <a:bevelT prst="relaxedInset"/>
+          </a:sp3d>
         </p:spPr>
-        <p:style>
-          <a:lnRef idx="1">
-            <a:schemeClr val="accent1"/>
-          </a:lnRef>
-          <a:fillRef idx="0">
-            <a:schemeClr val="accent1"/>
-          </a:fillRef>
-          <a:effectRef idx="0">
-            <a:schemeClr val="accent1"/>
-          </a:effectRef>
-          <a:fontRef idx="minor">
-            <a:schemeClr val="tx1"/>
-          </a:fontRef>
-        </p:style>
-      </p:cxnSp>
+        <p:txBody>
+          <a:bodyPr wrap="square" rtlCol="0">
+            <a:spAutoFit/>
+          </a:bodyPr>
+          <a:lstStyle/>
+          <a:p>
+            <a:pPr algn="ctr"/>
+            <a:r>
+              <a:rPr lang="ru-RU" b="1" dirty="0">
+                <a:effectLst>
+                  <a:outerShdw blurRad="38100" dist="38100" dir="2700000" algn="tl">
+                    <a:srgbClr val="000000">
+                      <a:alpha val="43137"/>
+                    </a:srgbClr>
+                  </a:outerShdw>
+                </a:effectLst>
+              </a:rPr>
+              <a:t>Содержание</a:t>
+            </a:r>
+            <a:endParaRPr lang="en-US" b="1" dirty="0">
+              <a:effectLst>
+                <a:outerShdw blurRad="38100" dist="38100" dir="2700000" algn="tl">
+                  <a:srgbClr val="000000">
+                    <a:alpha val="43137"/>
+                  </a:srgbClr>
+                </a:outerShdw>
+              </a:effectLst>
+            </a:endParaRPr>
+          </a:p>
+        </p:txBody>
+      </p:sp>
     </p:spTree>
     <p:extLst>
       <p:ext uri="{BB962C8B-B14F-4D97-AF65-F5344CB8AC3E}">
@@ -17239,6 +17579,96 @@
                             </p:childTnLst>
                           </p:cTn>
                         </p:par>
+                        <p:par>
+                          <p:cTn id="16" fill="hold">
+                            <p:stCondLst>
+                              <p:cond delay="400"/>
+                            </p:stCondLst>
+                            <p:childTnLst>
+                              <p:par>
+                                <p:cTn id="17" presetID="53" presetClass="entr" presetSubtype="16" fill="hold" grpId="0" nodeType="afterEffect">
+                                  <p:stCondLst>
+                                    <p:cond delay="0"/>
+                                  </p:stCondLst>
+                                  <p:childTnLst>
+                                    <p:set>
+                                      <p:cBhvr>
+                                        <p:cTn id="18" dur="1" fill="hold">
+                                          <p:stCondLst>
+                                            <p:cond delay="0"/>
+                                          </p:stCondLst>
+                                        </p:cTn>
+                                        <p:tgtEl>
+                                          <p:spTgt spid="11"/>
+                                        </p:tgtEl>
+                                        <p:attrNameLst>
+                                          <p:attrName>style.visibility</p:attrName>
+                                        </p:attrNameLst>
+                                      </p:cBhvr>
+                                      <p:to>
+                                        <p:strVal val="visible"/>
+                                      </p:to>
+                                    </p:set>
+                                    <p:anim calcmode="lin" valueType="num">
+                                      <p:cBhvr>
+                                        <p:cTn id="19" dur="200" fill="hold"/>
+                                        <p:tgtEl>
+                                          <p:spTgt spid="11"/>
+                                        </p:tgtEl>
+                                        <p:attrNameLst>
+                                          <p:attrName>ppt_w</p:attrName>
+                                        </p:attrNameLst>
+                                      </p:cBhvr>
+                                      <p:tavLst>
+                                        <p:tav tm="0">
+                                          <p:val>
+                                            <p:fltVal val="0"/>
+                                          </p:val>
+                                        </p:tav>
+                                        <p:tav tm="100000">
+                                          <p:val>
+                                            <p:strVal val="#ppt_w"/>
+                                          </p:val>
+                                        </p:tav>
+                                      </p:tavLst>
+                                    </p:anim>
+                                    <p:anim calcmode="lin" valueType="num">
+                                      <p:cBhvr>
+                                        <p:cTn id="20" dur="200" fill="hold"/>
+                                        <p:tgtEl>
+                                          <p:spTgt spid="11"/>
+                                        </p:tgtEl>
+                                        <p:attrNameLst>
+                                          <p:attrName>ppt_h</p:attrName>
+                                        </p:attrNameLst>
+                                      </p:cBhvr>
+                                      <p:tavLst>
+                                        <p:tav tm="0">
+                                          <p:val>
+                                            <p:fltVal val="0"/>
+                                          </p:val>
+                                        </p:tav>
+                                        <p:tav tm="100000">
+                                          <p:val>
+                                            <p:strVal val="#ppt_h"/>
+                                          </p:val>
+                                        </p:tav>
+                                      </p:tavLst>
+                                    </p:anim>
+                                    <p:animEffect transition="in" filter="fade">
+                                      <p:cBhvr>
+                                        <p:cTn id="21" dur="200"/>
+                                        <p:tgtEl>
+                                          <p:spTgt spid="11"/>
+                                        </p:tgtEl>
+                                      </p:cBhvr>
+                                    </p:animEffect>
+                                  </p:childTnLst>
+                                </p:cTn>
+                              </p:par>
+                            </p:childTnLst>
+                          </p:cTn>
+                        </p:par>
                       </p:childTnLst>
                     </p:cTn>
                   </p:par>
@@ -17266,6 +17696,7 @@
     <p:bldLst>
       <p:bldP spid="8" grpId="0" animBg="1"/>
       <p:bldP spid="9" grpId="0" animBg="1"/>
+      <p:bldP spid="11" grpId="0" animBg="1"/>
     </p:bldLst>
   </p:timing>
 </p:sld>
@@ -17599,7 +18030,7 @@
         </p:blipFill>
         <p:spPr bwMode="auto">
           <a:xfrm>
-            <a:off x="2763982" y="3390900"/>
+            <a:off x="4515716" y="3390900"/>
             <a:ext cx="3160568" cy="3160568"/>
           </a:xfrm>
           <a:prstGeom prst="rect">
@@ -17963,94 +18394,6 @@
           </a:p>
         </p:txBody>
       </p:sp>
-      <p:cxnSp>
-        <p:nvCxnSpPr>
-          <p:cNvPr id="12" name="Straight Connector 11">
-            <a:extLst>
-              <a:ext uri="{FF2B5EF4-FFF2-40B4-BE49-F238E27FC236}">
-                <a16:creationId xmlns:a16="http://schemas.microsoft.com/office/drawing/2014/main" id="{790C089B-BD02-4425-BFAC-7BEE770C3269}"/>
-              </a:ext>
-            </a:extLst>
-          </p:cNvPr>
-          <p:cNvCxnSpPr>
-            <a:cxnSpLocks/>
-          </p:cNvCxnSpPr>
-          <p:nvPr/>
-        </p:nvCxnSpPr>
-        <p:spPr>
-          <a:xfrm>
-            <a:off x="545354" y="1677669"/>
-            <a:ext cx="11101293" cy="0"/>
-          </a:xfrm>
-          <a:prstGeom prst="line">
-            <a:avLst/>
-          </a:prstGeom>
-          <a:ln w="28575" cap="sq">
-            <a:gradFill>
-              <a:gsLst>
-                <a:gs pos="0">
-                  <a:schemeClr val="accent1">
-                    <a:alpha val="0"/>
-                    <a:lumMod val="0"/>
-                    <a:lumOff val="100000"/>
-                  </a:schemeClr>
-                </a:gs>
-                <a:gs pos="50000">
-                  <a:schemeClr val="accent3">
-                    <a:lumMod val="20000"/>
-                    <a:lumOff val="80000"/>
-                  </a:schemeClr>
-                </a:gs>
-                <a:gs pos="20000">
-                  <a:schemeClr val="accent1">
-                    <a:lumMod val="40000"/>
-                    <a:lumOff val="60000"/>
-                    <a:alpha val="80000"/>
-                  </a:schemeClr>
-                </a:gs>
-                <a:gs pos="80000">
-                  <a:schemeClr val="accent1">
-                    <a:lumMod val="40000"/>
-                    <a:lumOff val="60000"/>
-                    <a:alpha val="80000"/>
-                  </a:schemeClr>
-                </a:gs>
-                <a:gs pos="100000">
-                  <a:schemeClr val="accent1">
-                    <a:alpha val="0"/>
-                    <a:lumMod val="0"/>
-                    <a:lumOff val="100000"/>
-                  </a:schemeClr>
-                </a:gs>
-              </a:gsLst>
-              <a:lin ang="0" scaled="0"/>
-            </a:gradFill>
-            <a:bevel/>
-          </a:ln>
-          <a:effectLst>
-            <a:glow rad="63500">
-              <a:schemeClr val="accent2">
-                <a:satMod val="175000"/>
-                <a:alpha val="40000"/>
-              </a:schemeClr>
-            </a:glow>
-          </a:effectLst>
-        </p:spPr>
-        <p:style>
-          <a:lnRef idx="1">
-            <a:schemeClr val="accent1"/>
-          </a:lnRef>
-          <a:fillRef idx="0">
-            <a:schemeClr val="accent1"/>
-          </a:fillRef>
-          <a:effectRef idx="0">
-            <a:schemeClr val="accent1"/>
-          </a:effectRef>
-          <a:fontRef idx="minor">
-            <a:schemeClr val="tx1"/>
-          </a:fontRef>
-        </p:style>
-      </p:cxnSp>
     </p:spTree>
     <p:extLst>
       <p:ext uri="{BB962C8B-B14F-4D97-AF65-F5344CB8AC3E}">

--- a/NETMouse - .NET release/Presentations/ABCNET как продолжение PABCSystem.pptx
+++ b/NETMouse - .NET release/Presentations/ABCNET как продолжение PABCSystem.pptx
@@ -6888,7 +6888,7 @@
           <a:p>
             <a:pPr algn="ctr"/>
             <a:r>
-              <a:rPr lang="ru-RU" b="1" dirty="0">
+              <a:rPr lang="en-US" b="1" dirty="0">
                 <a:effectLst>
                   <a:outerShdw blurRad="38100" dist="38100" dir="2700000" algn="tl">
                     <a:srgbClr val="000000">
@@ -6897,17 +6897,8 @@
                   </a:outerShdw>
                 </a:effectLst>
               </a:rPr>
-              <a:t>Содержание</a:t>
-            </a:r>
-            <a:endParaRPr lang="en-US" b="1" dirty="0">
-              <a:effectLst>
-                <a:outerShdw blurRad="38100" dist="38100" dir="2700000" algn="tl">
-                  <a:srgbClr val="000000">
-                    <a:alpha val="43137"/>
-                  </a:srgbClr>
-                </a:outerShdw>
-              </a:effectLst>
-            </a:endParaRPr>
+              <a:t>Syllabus</a:t>
+            </a:r>
           </a:p>
         </p:txBody>
       </p:sp>
@@ -10143,13 +10134,13 @@
   <p:clrMapOvr>
     <a:masterClrMapping/>
   </p:clrMapOvr>
-  <mc:AlternateContent xmlns:mc="http://schemas.openxmlformats.org/markup-compatibility/2006">
-    <mc:Choice xmlns:p14="http://schemas.microsoft.com/office/powerpoint/2010/main" Requires="p14">
+  <mc:AlternateContent xmlns:mc="http://schemas.openxmlformats.org/markup-compatibility/2006" xmlns:p14="http://schemas.microsoft.com/office/powerpoint/2010/main">
+    <mc:Choice Requires="p14">
       <p:transition spd="med" p14:dur="700">
         <p:fade/>
       </p:transition>
     </mc:Choice>
-    <mc:Fallback>
+    <mc:Fallback xmlns="">
       <p:transition spd="med">
         <p:fade/>
       </p:transition>
@@ -11310,7 +11301,7 @@
           <a:p>
             <a:pPr algn="ctr"/>
             <a:r>
-              <a:rPr lang="ru-RU" b="1" dirty="0">
+              <a:rPr lang="en-US" b="1" dirty="0">
                 <a:effectLst>
                   <a:outerShdw blurRad="38100" dist="38100" dir="2700000" algn="tl">
                     <a:srgbClr val="000000">
@@ -11319,17 +11310,8 @@
                   </a:outerShdw>
                 </a:effectLst>
               </a:rPr>
-              <a:t>Содержание</a:t>
-            </a:r>
-            <a:endParaRPr lang="en-US" b="1" dirty="0">
-              <a:effectLst>
-                <a:outerShdw blurRad="38100" dist="38100" dir="2700000" algn="tl">
-                  <a:srgbClr val="000000">
-                    <a:alpha val="43137"/>
-                  </a:srgbClr>
-                </a:outerShdw>
-              </a:effectLst>
-            </a:endParaRPr>
+              <a:t>Syllabus</a:t>
+            </a:r>
           </a:p>
         </p:txBody>
       </p:sp>
@@ -11614,6 +11596,122 @@
           </a:effectLst>
         </p:spPr>
       </p:pic>
+      <p:sp>
+        <p:nvSpPr>
+          <p:cNvPr id="14" name="Show - Lock">
+            <a:extLst>
+              <a:ext uri="{FF2B5EF4-FFF2-40B4-BE49-F238E27FC236}">
+                <a16:creationId xmlns:a16="http://schemas.microsoft.com/office/drawing/2014/main" id="{5F1C3966-57DD-4FBB-96F4-B6C6B93B14A2}"/>
+              </a:ext>
+            </a:extLst>
+          </p:cNvPr>
+          <p:cNvSpPr txBox="1"/>
+          <p:nvPr/>
+        </p:nvSpPr>
+        <p:spPr>
+          <a:xfrm>
+            <a:off x="5604264" y="6248400"/>
+            <a:ext cx="1262019" cy="404689"/>
+          </a:xfrm>
+          <a:prstGeom prst="rect">
+            <a:avLst/>
+          </a:prstGeom>
+          <a:solidFill>
+            <a:schemeClr val="bg1">
+              <a:lumMod val="95000"/>
+              <a:lumOff val="5000"/>
+              <a:alpha val="54000"/>
+            </a:schemeClr>
+          </a:solidFill>
+          <a:ln>
+            <a:noFill/>
+          </a:ln>
+          <a:effectLst>
+            <a:glow rad="101600">
+              <a:srgbClr val="FF0000">
+                <a:alpha val="60000"/>
+              </a:srgbClr>
+            </a:glow>
+            <a:softEdge rad="12700"/>
+          </a:effectLst>
+        </p:spPr>
+        <p:txBody>
+          <a:bodyPr wrap="square" rtlCol="0">
+            <a:spAutoFit/>
+          </a:bodyPr>
+          <a:lstStyle/>
+          <a:p>
+            <a:pPr algn="ctr"/>
+            <a:endParaRPr lang="en-US" b="1" dirty="0">
+              <a:effectLst>
+                <a:outerShdw blurRad="38100" dist="38100" dir="2700000" algn="tl">
+                  <a:srgbClr val="000000">
+                    <a:alpha val="43137"/>
+                  </a:srgbClr>
+                </a:outerShdw>
+              </a:effectLst>
+            </a:endParaRPr>
+          </a:p>
+        </p:txBody>
+      </p:sp>
+      <p:sp>
+        <p:nvSpPr>
+          <p:cNvPr id="15" name="Hide - Lock">
+            <a:extLst>
+              <a:ext uri="{FF2B5EF4-FFF2-40B4-BE49-F238E27FC236}">
+                <a16:creationId xmlns:a16="http://schemas.microsoft.com/office/drawing/2014/main" id="{D25321BC-0DD0-4057-9693-773D8CE78F09}"/>
+              </a:ext>
+            </a:extLst>
+          </p:cNvPr>
+          <p:cNvSpPr txBox="1"/>
+          <p:nvPr/>
+        </p:nvSpPr>
+        <p:spPr>
+          <a:xfrm>
+            <a:off x="6944113" y="6248400"/>
+            <a:ext cx="1262019" cy="404689"/>
+          </a:xfrm>
+          <a:prstGeom prst="rect">
+            <a:avLst/>
+          </a:prstGeom>
+          <a:solidFill>
+            <a:schemeClr val="bg1">
+              <a:lumMod val="95000"/>
+              <a:lumOff val="5000"/>
+              <a:alpha val="54000"/>
+            </a:schemeClr>
+          </a:solidFill>
+          <a:ln>
+            <a:noFill/>
+          </a:ln>
+          <a:effectLst>
+            <a:glow rad="101600">
+              <a:srgbClr val="FF0000">
+                <a:alpha val="60000"/>
+              </a:srgbClr>
+            </a:glow>
+            <a:softEdge rad="12700"/>
+          </a:effectLst>
+        </p:spPr>
+        <p:txBody>
+          <a:bodyPr wrap="square" rtlCol="0">
+            <a:spAutoFit/>
+          </a:bodyPr>
+          <a:lstStyle/>
+          <a:p>
+            <a:pPr algn="ctr"/>
+            <a:endParaRPr lang="en-US" b="1" dirty="0">
+              <a:effectLst>
+                <a:outerShdw blurRad="38100" dist="38100" dir="2700000" algn="tl">
+                  <a:srgbClr val="000000">
+                    <a:alpha val="43137"/>
+                  </a:srgbClr>
+                </a:outerShdw>
+              </a:effectLst>
+            </a:endParaRPr>
+          </a:p>
+        </p:txBody>
+      </p:sp>
     </p:spTree>
     <p:extLst>
       <p:ext uri="{BB962C8B-B14F-4D97-AF65-F5344CB8AC3E}">
@@ -12103,6 +12201,96 @@
                             </p:childTnLst>
                           </p:cTn>
                         </p:par>
+                        <p:par>
+                          <p:cTn id="34" fill="hold">
+                            <p:stCondLst>
+                              <p:cond delay="1000"/>
+                            </p:stCondLst>
+                            <p:childTnLst>
+                              <p:par>
+                                <p:cTn id="35" presetID="53" presetClass="entr" presetSubtype="16" fill="hold" grpId="2" nodeType="afterEffect">
+                                  <p:stCondLst>
+                                    <p:cond delay="0"/>
+                                  </p:stCondLst>
+                                  <p:childTnLst>
+                                    <p:set>
+                                      <p:cBhvr>
+                                        <p:cTn id="36" dur="1" fill="hold">
+                                          <p:stCondLst>
+                                            <p:cond delay="0"/>
+                                          </p:stCondLst>
+                                        </p:cTn>
+                                        <p:tgtEl>
+                                          <p:spTgt spid="15"/>
+                                        </p:tgtEl>
+                                        <p:attrNameLst>
+                                          <p:attrName>style.visibility</p:attrName>
+                                        </p:attrNameLst>
+                                      </p:cBhvr>
+                                      <p:to>
+                                        <p:strVal val="visible"/>
+                                      </p:to>
+                                    </p:set>
+                                    <p:anim calcmode="lin" valueType="num">
+                                      <p:cBhvr>
+                                        <p:cTn id="37" dur="200" fill="hold"/>
+                                        <p:tgtEl>
+                                          <p:spTgt spid="15"/>
+                                        </p:tgtEl>
+                                        <p:attrNameLst>
+                                          <p:attrName>ppt_w</p:attrName>
+                                        </p:attrNameLst>
+                                      </p:cBhvr>
+                                      <p:tavLst>
+                                        <p:tav tm="0">
+                                          <p:val>
+                                            <p:fltVal val="0"/>
+                                          </p:val>
+                                        </p:tav>
+                                        <p:tav tm="100000">
+                                          <p:val>
+                                            <p:strVal val="#ppt_w"/>
+                                          </p:val>
+                                        </p:tav>
+                                      </p:tavLst>
+                                    </p:anim>
+                                    <p:anim calcmode="lin" valueType="num">
+                                      <p:cBhvr>
+                                        <p:cTn id="38" dur="200" fill="hold"/>
+                                        <p:tgtEl>
+                                          <p:spTgt spid="15"/>
+                                        </p:tgtEl>
+                                        <p:attrNameLst>
+                                          <p:attrName>ppt_h</p:attrName>
+                                        </p:attrNameLst>
+                                      </p:cBhvr>
+                                      <p:tavLst>
+                                        <p:tav tm="0">
+                                          <p:val>
+                                            <p:fltVal val="0"/>
+                                          </p:val>
+                                        </p:tav>
+                                        <p:tav tm="100000">
+                                          <p:val>
+                                            <p:strVal val="#ppt_h"/>
+                                          </p:val>
+                                        </p:tav>
+                                      </p:tavLst>
+                                    </p:anim>
+                                    <p:animEffect transition="in" filter="fade">
+                                      <p:cBhvr>
+                                        <p:cTn id="39" dur="200"/>
+                                        <p:tgtEl>
+                                          <p:spTgt spid="15"/>
+                                        </p:tgtEl>
+                                      </p:cBhvr>
+                                    </p:animEffect>
+                                  </p:childTnLst>
+                                </p:cTn>
+                              </p:par>
+                            </p:childTnLst>
+                          </p:cTn>
+                        </p:par>
                       </p:childTnLst>
                     </p:cTn>
                   </p:par>
@@ -12124,7 +12312,7 @@
               </p:nextCondLst>
             </p:seq>
             <p:seq concurrent="1" nextAc="seek">
-              <p:cTn id="34" restart="whenNotActive" fill="hold" evtFilter="cancelBubble" nodeType="interactiveSeq">
+              <p:cTn id="40" restart="whenNotActive" fill="hold" evtFilter="cancelBubble" nodeType="interactiveSeq">
                 <p:stCondLst>
                   <p:cond evt="onClick" delay="0">
                     <p:tgtEl>
@@ -12137,26 +12325,26 @@
                 </p:endSync>
                 <p:childTnLst>
                   <p:par>
-                    <p:cTn id="35" fill="hold">
+                    <p:cTn id="41" fill="hold">
                       <p:stCondLst>
                         <p:cond delay="0"/>
                       </p:stCondLst>
                       <p:childTnLst>
                         <p:par>
-                          <p:cTn id="36" fill="hold">
+                          <p:cTn id="42" fill="hold">
                             <p:stCondLst>
                               <p:cond delay="0"/>
                             </p:stCondLst>
                             <p:childTnLst>
                               <p:par>
-                                <p:cTn id="37" presetID="53" presetClass="entr" presetSubtype="16" fill="hold" nodeType="clickEffect">
+                                <p:cTn id="43" presetID="53" presetClass="entr" presetSubtype="16" fill="hold" nodeType="clickEffect">
                                   <p:stCondLst>
                                     <p:cond delay="0"/>
                                   </p:stCondLst>
                                   <p:childTnLst>
                                     <p:set>
                                       <p:cBhvr>
-                                        <p:cTn id="38" dur="1" fill="hold">
+                                        <p:cTn id="44" dur="1" fill="hold">
                                           <p:stCondLst>
                                             <p:cond delay="0"/>
                                           </p:stCondLst>
@@ -12174,7 +12362,7 @@
                                     </p:set>
                                     <p:anim calcmode="lin" valueType="num">
                                       <p:cBhvr>
-                                        <p:cTn id="39" dur="500" fill="hold"/>
+                                        <p:cTn id="45" dur="500" fill="hold"/>
                                         <p:tgtEl>
                                           <p:spTgt spid="18"/>
                                         </p:tgtEl>
@@ -12197,7 +12385,7 @@
                                     </p:anim>
                                     <p:anim calcmode="lin" valueType="num">
                                       <p:cBhvr>
-                                        <p:cTn id="40" dur="500" fill="hold"/>
+                                        <p:cTn id="46" dur="500" fill="hold"/>
                                         <p:tgtEl>
                                           <p:spTgt spid="18"/>
                                         </p:tgtEl>
@@ -12220,12 +12408,66 @@
                                     </p:anim>
                                     <p:animEffect transition="in" filter="fade">
                                       <p:cBhvr>
-                                        <p:cTn id="41" dur="500"/>
+                                        <p:cTn id="47" dur="500"/>
                                         <p:tgtEl>
                                           <p:spTgt spid="18"/>
                                         </p:tgtEl>
                                       </p:cBhvr>
                                     </p:animEffect>
+                                  </p:childTnLst>
+                                </p:cTn>
+                              </p:par>
+                              <p:par>
+                                <p:cTn id="48" presetID="1" presetClass="entr" presetSubtype="0" fill="hold" grpId="0" nodeType="withEffect">
+                                  <p:stCondLst>
+                                    <p:cond delay="0"/>
+                                  </p:stCondLst>
+                                  <p:childTnLst>
+                                    <p:set>
+                                      <p:cBhvr>
+                                        <p:cTn id="49" dur="1" fill="hold">
+                                          <p:stCondLst>
+                                            <p:cond delay="0"/>
+                                          </p:stCondLst>
+                                        </p:cTn>
+                                        <p:tgtEl>
+                                          <p:spTgt spid="14"/>
+                                        </p:tgtEl>
+                                        <p:attrNameLst>
+                                          <p:attrName>style.visibility</p:attrName>
+                                        </p:attrNameLst>
+                                      </p:cBhvr>
+                                      <p:to>
+                                        <p:strVal val="visible"/>
+                                      </p:to>
+                                    </p:set>
+                                  </p:childTnLst>
+                                </p:cTn>
+                              </p:par>
+                              <p:par>
+                                <p:cTn id="50" presetID="1" presetClass="exit" presetSubtype="0" fill="hold" grpId="0" nodeType="withEffect">
+                                  <p:stCondLst>
+                                    <p:cond delay="0"/>
+                                  </p:stCondLst>
+                                  <p:childTnLst>
+                                    <p:set>
+                                      <p:cBhvr>
+                                        <p:cTn id="51" dur="1" fill="hold">
+                                          <p:stCondLst>
+                                            <p:cond delay="0"/>
+                                          </p:stCondLst>
+                                        </p:cTn>
+                                        <p:tgtEl>
+                                          <p:spTgt spid="15"/>
+                                        </p:tgtEl>
+                                        <p:attrNameLst>
+                                          <p:attrName>style.visibility</p:attrName>
+                                        </p:attrNameLst>
+                                      </p:cBhvr>
+                                      <p:to>
+                                        <p:strVal val="hidden"/>
+                                      </p:to>
+                                    </p:set>
                                   </p:childTnLst>
                                 </p:cTn>
                               </p:par>
@@ -12246,7 +12488,7 @@
               </p:nextCondLst>
             </p:seq>
             <p:seq concurrent="1" nextAc="seek">
-              <p:cTn id="42" restart="whenNotActive" fill="hold" evtFilter="cancelBubble" nodeType="interactiveSeq">
+              <p:cTn id="52" restart="whenNotActive" fill="hold" evtFilter="cancelBubble" nodeType="interactiveSeq">
                 <p:stCondLst>
                   <p:cond evt="onClick" delay="0">
                     <p:tgtEl>
@@ -12259,26 +12501,26 @@
                 </p:endSync>
                 <p:childTnLst>
                   <p:par>
-                    <p:cTn id="43" fill="hold">
+                    <p:cTn id="53" fill="hold">
                       <p:stCondLst>
                         <p:cond delay="0"/>
                       </p:stCondLst>
                       <p:childTnLst>
                         <p:par>
-                          <p:cTn id="44" fill="hold">
+                          <p:cTn id="54" fill="hold">
                             <p:stCondLst>
                               <p:cond delay="0"/>
                             </p:stCondLst>
                             <p:childTnLst>
                               <p:par>
-                                <p:cTn id="45" presetID="53" presetClass="exit" presetSubtype="32" fill="hold" nodeType="clickEffect">
+                                <p:cTn id="55" presetID="53" presetClass="exit" presetSubtype="32" fill="hold" nodeType="clickEffect">
                                   <p:stCondLst>
                                     <p:cond delay="0"/>
                                   </p:stCondLst>
                                   <p:childTnLst>
                                     <p:anim calcmode="lin" valueType="num">
                                       <p:cBhvr>
-                                        <p:cTn id="46" dur="500"/>
+                                        <p:cTn id="56" dur="500"/>
                                         <p:tgtEl>
                                           <p:spTgt spid="18"/>
                                         </p:tgtEl>
@@ -12301,7 +12543,7 @@
                                     </p:anim>
                                     <p:anim calcmode="lin" valueType="num">
                                       <p:cBhvr>
-                                        <p:cTn id="47" dur="500"/>
+                                        <p:cTn id="57" dur="500"/>
                                         <p:tgtEl>
                                           <p:spTgt spid="18"/>
                                         </p:tgtEl>
@@ -12324,7 +12566,7 @@
                                     </p:anim>
                                     <p:animEffect transition="out" filter="fade">
                                       <p:cBhvr>
-                                        <p:cTn id="48" dur="500"/>
+                                        <p:cTn id="58" dur="500"/>
                                         <p:tgtEl>
                                           <p:spTgt spid="18"/>
                                         </p:tgtEl>
@@ -12332,7 +12574,7 @@
                                     </p:animEffect>
                                     <p:set>
                                       <p:cBhvr>
-                                        <p:cTn id="49" dur="1" fill="hold">
+                                        <p:cTn id="59" dur="1" fill="hold">
                                           <p:stCondLst>
                                             <p:cond delay="499"/>
                                           </p:stCondLst>
@@ -12346,6 +12588,60 @@
                                       </p:cBhvr>
                                       <p:to>
                                         <p:strVal val="hidden"/>
+                                      </p:to>
+                                    </p:set>
+                                  </p:childTnLst>
+                                </p:cTn>
+                              </p:par>
+                              <p:par>
+                                <p:cTn id="60" presetID="1" presetClass="exit" presetSubtype="0" fill="hold" grpId="1" nodeType="withEffect">
+                                  <p:stCondLst>
+                                    <p:cond delay="0"/>
+                                  </p:stCondLst>
+                                  <p:childTnLst>
+                                    <p:set>
+                                      <p:cBhvr>
+                                        <p:cTn id="61" dur="1" fill="hold">
+                                          <p:stCondLst>
+                                            <p:cond delay="0"/>
+                                          </p:stCondLst>
+                                        </p:cTn>
+                                        <p:tgtEl>
+                                          <p:spTgt spid="14"/>
+                                        </p:tgtEl>
+                                        <p:attrNameLst>
+                                          <p:attrName>style.visibility</p:attrName>
+                                        </p:attrNameLst>
+                                      </p:cBhvr>
+                                      <p:to>
+                                        <p:strVal val="hidden"/>
+                                      </p:to>
+                                    </p:set>
+                                  </p:childTnLst>
+                                </p:cTn>
+                              </p:par>
+                              <p:par>
+                                <p:cTn id="62" presetID="1" presetClass="entr" presetSubtype="0" fill="hold" grpId="1" nodeType="withEffect">
+                                  <p:stCondLst>
+                                    <p:cond delay="0"/>
+                                  </p:stCondLst>
+                                  <p:childTnLst>
+                                    <p:set>
+                                      <p:cBhvr>
+                                        <p:cTn id="63" dur="1" fill="hold">
+                                          <p:stCondLst>
+                                            <p:cond delay="0"/>
+                                          </p:stCondLst>
+                                        </p:cTn>
+                                        <p:tgtEl>
+                                          <p:spTgt spid="15"/>
+                                        </p:tgtEl>
+                                        <p:attrNameLst>
+                                          <p:attrName>style.visibility</p:attrName>
+                                        </p:attrNameLst>
+                                      </p:cBhvr>
+                                      <p:to>
+                                        <p:strVal val="visible"/>
                                       </p:to>
                                     </p:set>
                                   </p:childTnLst>
@@ -12377,6 +12673,11 @@
       <p:bldP spid="12" grpId="0" animBg="1"/>
       <p:bldP spid="9" grpId="0" animBg="1"/>
       <p:bldP spid="13" grpId="0" animBg="1"/>
+      <p:bldP spid="14" grpId="0" animBg="1"/>
+      <p:bldP spid="14" grpId="1" animBg="1"/>
+      <p:bldP spid="15" grpId="0" animBg="1"/>
+      <p:bldP spid="15" grpId="1" animBg="1"/>
+      <p:bldP spid="15" grpId="2" animBg="1"/>
     </p:bldLst>
   </p:timing>
 </p:sld>
@@ -12848,7 +13149,7 @@
           <a:p>
             <a:pPr algn="ctr"/>
             <a:r>
-              <a:rPr lang="ru-RU" b="1" dirty="0">
+              <a:rPr lang="en-US" b="1" dirty="0">
                 <a:effectLst>
                   <a:outerShdw blurRad="38100" dist="38100" dir="2700000" algn="tl">
                     <a:srgbClr val="000000">
@@ -12857,17 +13158,8 @@
                   </a:outerShdw>
                 </a:effectLst>
               </a:rPr>
-              <a:t>Содержание</a:t>
-            </a:r>
-            <a:endParaRPr lang="en-US" b="1" dirty="0">
-              <a:effectLst>
-                <a:outerShdw blurRad="38100" dist="38100" dir="2700000" algn="tl">
-                  <a:srgbClr val="000000">
-                    <a:alpha val="43137"/>
-                  </a:srgbClr>
-                </a:outerShdw>
-              </a:effectLst>
-            </a:endParaRPr>
+              <a:t>Syllabus</a:t>
+            </a:r>
           </a:p>
         </p:txBody>
       </p:sp>
@@ -13476,7 +13768,15 @@
             </a:r>
             <a:r>
               <a:rPr lang="ru-RU" dirty="0"/>
-              <a:t> наполнялся функционалом, подобным системному модулю, но, также и добавлял свои расширения. Так, при последовательностей и матриц можно указывать «открывающую» и «закрывающую» строки</a:t>
+              <a:t> наполнялся функционалом, подобным системному модулю, но, также и добавлял свои расширения. Так, при </a:t>
+            </a:r>
+            <a:r>
+              <a:rPr lang="ru-RU" dirty="0" err="1"/>
+              <a:t>созданиии</a:t>
+            </a:r>
+            <a:r>
+              <a:rPr lang="ru-RU" dirty="0"/>
+              <a:t> последовательностей и матриц можно указывать «открывающую» и «закрывающую» строки</a:t>
             </a:r>
             <a:r>
               <a:rPr lang="en-US" dirty="0"/>
@@ -14070,7 +14370,7 @@
           <a:p>
             <a:pPr algn="ctr"/>
             <a:r>
-              <a:rPr lang="ru-RU" b="1" dirty="0">
+              <a:rPr lang="en-US" b="1" dirty="0">
                 <a:effectLst>
                   <a:outerShdw blurRad="38100" dist="38100" dir="2700000" algn="tl">
                     <a:srgbClr val="000000">
@@ -14079,17 +14379,8 @@
                   </a:outerShdw>
                 </a:effectLst>
               </a:rPr>
-              <a:t>Содержание</a:t>
-            </a:r>
-            <a:endParaRPr lang="en-US" b="1" dirty="0">
-              <a:effectLst>
-                <a:outerShdw blurRad="38100" dist="38100" dir="2700000" algn="tl">
-                  <a:srgbClr val="000000">
-                    <a:alpha val="43137"/>
-                  </a:srgbClr>
-                </a:outerShdw>
-              </a:effectLst>
-            </a:endParaRPr>
+              <a:t>Syllabus</a:t>
+            </a:r>
           </a:p>
         </p:txBody>
       </p:sp>
@@ -14374,6 +14665,122 @@
           </a:effectLst>
         </p:spPr>
       </p:pic>
+      <p:sp>
+        <p:nvSpPr>
+          <p:cNvPr id="22" name="Show - Lock">
+            <a:extLst>
+              <a:ext uri="{FF2B5EF4-FFF2-40B4-BE49-F238E27FC236}">
+                <a16:creationId xmlns:a16="http://schemas.microsoft.com/office/drawing/2014/main" id="{9A2D7E36-BF23-4517-94B8-398E3B32EEE8}"/>
+              </a:ext>
+            </a:extLst>
+          </p:cNvPr>
+          <p:cNvSpPr txBox="1"/>
+          <p:nvPr/>
+        </p:nvSpPr>
+        <p:spPr>
+          <a:xfrm>
+            <a:off x="5604264" y="6248400"/>
+            <a:ext cx="1262019" cy="404689"/>
+          </a:xfrm>
+          <a:prstGeom prst="rect">
+            <a:avLst/>
+          </a:prstGeom>
+          <a:solidFill>
+            <a:schemeClr val="bg1">
+              <a:lumMod val="95000"/>
+              <a:lumOff val="5000"/>
+              <a:alpha val="54000"/>
+            </a:schemeClr>
+          </a:solidFill>
+          <a:ln>
+            <a:noFill/>
+          </a:ln>
+          <a:effectLst>
+            <a:glow rad="101600">
+              <a:srgbClr val="FF0000">
+                <a:alpha val="60000"/>
+              </a:srgbClr>
+            </a:glow>
+            <a:softEdge rad="12700"/>
+          </a:effectLst>
+        </p:spPr>
+        <p:txBody>
+          <a:bodyPr wrap="square" rtlCol="0">
+            <a:spAutoFit/>
+          </a:bodyPr>
+          <a:lstStyle/>
+          <a:p>
+            <a:pPr algn="ctr"/>
+            <a:endParaRPr lang="en-US" b="1" dirty="0">
+              <a:effectLst>
+                <a:outerShdw blurRad="38100" dist="38100" dir="2700000" algn="tl">
+                  <a:srgbClr val="000000">
+                    <a:alpha val="43137"/>
+                  </a:srgbClr>
+                </a:outerShdw>
+              </a:effectLst>
+            </a:endParaRPr>
+          </a:p>
+        </p:txBody>
+      </p:sp>
+      <p:sp>
+        <p:nvSpPr>
+          <p:cNvPr id="23" name="Hide - Lock">
+            <a:extLst>
+              <a:ext uri="{FF2B5EF4-FFF2-40B4-BE49-F238E27FC236}">
+                <a16:creationId xmlns:a16="http://schemas.microsoft.com/office/drawing/2014/main" id="{B7057AF1-7A05-47D0-A56D-81E1C785EC87}"/>
+              </a:ext>
+            </a:extLst>
+          </p:cNvPr>
+          <p:cNvSpPr txBox="1"/>
+          <p:nvPr/>
+        </p:nvSpPr>
+        <p:spPr>
+          <a:xfrm>
+            <a:off x="6944113" y="6248400"/>
+            <a:ext cx="1262019" cy="404689"/>
+          </a:xfrm>
+          <a:prstGeom prst="rect">
+            <a:avLst/>
+          </a:prstGeom>
+          <a:solidFill>
+            <a:schemeClr val="bg1">
+              <a:lumMod val="95000"/>
+              <a:lumOff val="5000"/>
+              <a:alpha val="54000"/>
+            </a:schemeClr>
+          </a:solidFill>
+          <a:ln>
+            <a:noFill/>
+          </a:ln>
+          <a:effectLst>
+            <a:glow rad="101600">
+              <a:srgbClr val="FF0000">
+                <a:alpha val="60000"/>
+              </a:srgbClr>
+            </a:glow>
+            <a:softEdge rad="12700"/>
+          </a:effectLst>
+        </p:spPr>
+        <p:txBody>
+          <a:bodyPr wrap="square" rtlCol="0">
+            <a:spAutoFit/>
+          </a:bodyPr>
+          <a:lstStyle/>
+          <a:p>
+            <a:pPr algn="ctr"/>
+            <a:endParaRPr lang="en-US" b="1" dirty="0">
+              <a:effectLst>
+                <a:outerShdw blurRad="38100" dist="38100" dir="2700000" algn="tl">
+                  <a:srgbClr val="000000">
+                    <a:alpha val="43137"/>
+                  </a:srgbClr>
+                </a:outerShdw>
+              </a:effectLst>
+            </a:endParaRPr>
+          </a:p>
+        </p:txBody>
+      </p:sp>
     </p:spTree>
     <p:extLst>
       <p:ext uri="{BB962C8B-B14F-4D97-AF65-F5344CB8AC3E}">
@@ -14863,6 +15270,96 @@
                             </p:childTnLst>
                           </p:cTn>
                         </p:par>
+                        <p:par>
+                          <p:cTn id="34" fill="hold">
+                            <p:stCondLst>
+                              <p:cond delay="1000"/>
+                            </p:stCondLst>
+                            <p:childTnLst>
+                              <p:par>
+                                <p:cTn id="35" presetID="53" presetClass="entr" presetSubtype="16" fill="hold" grpId="2" nodeType="afterEffect">
+                                  <p:stCondLst>
+                                    <p:cond delay="0"/>
+                                  </p:stCondLst>
+                                  <p:childTnLst>
+                                    <p:set>
+                                      <p:cBhvr>
+                                        <p:cTn id="36" dur="1" fill="hold">
+                                          <p:stCondLst>
+                                            <p:cond delay="0"/>
+                                          </p:stCondLst>
+                                        </p:cTn>
+                                        <p:tgtEl>
+                                          <p:spTgt spid="23"/>
+                                        </p:tgtEl>
+                                        <p:attrNameLst>
+                                          <p:attrName>style.visibility</p:attrName>
+                                        </p:attrNameLst>
+                                      </p:cBhvr>
+                                      <p:to>
+                                        <p:strVal val="visible"/>
+                                      </p:to>
+                                    </p:set>
+                                    <p:anim calcmode="lin" valueType="num">
+                                      <p:cBhvr>
+                                        <p:cTn id="37" dur="200" fill="hold"/>
+                                        <p:tgtEl>
+                                          <p:spTgt spid="23"/>
+                                        </p:tgtEl>
+                                        <p:attrNameLst>
+                                          <p:attrName>ppt_w</p:attrName>
+                                        </p:attrNameLst>
+                                      </p:cBhvr>
+                                      <p:tavLst>
+                                        <p:tav tm="0">
+                                          <p:val>
+                                            <p:fltVal val="0"/>
+                                          </p:val>
+                                        </p:tav>
+                                        <p:tav tm="100000">
+                                          <p:val>
+                                            <p:strVal val="#ppt_w"/>
+                                          </p:val>
+                                        </p:tav>
+                                      </p:tavLst>
+                                    </p:anim>
+                                    <p:anim calcmode="lin" valueType="num">
+                                      <p:cBhvr>
+                                        <p:cTn id="38" dur="200" fill="hold"/>
+                                        <p:tgtEl>
+                                          <p:spTgt spid="23"/>
+                                        </p:tgtEl>
+                                        <p:attrNameLst>
+                                          <p:attrName>ppt_h</p:attrName>
+                                        </p:attrNameLst>
+                                      </p:cBhvr>
+                                      <p:tavLst>
+                                        <p:tav tm="0">
+                                          <p:val>
+                                            <p:fltVal val="0"/>
+                                          </p:val>
+                                        </p:tav>
+                                        <p:tav tm="100000">
+                                          <p:val>
+                                            <p:strVal val="#ppt_h"/>
+                                          </p:val>
+                                        </p:tav>
+                                      </p:tavLst>
+                                    </p:anim>
+                                    <p:animEffect transition="in" filter="fade">
+                                      <p:cBhvr>
+                                        <p:cTn id="39" dur="200"/>
+                                        <p:tgtEl>
+                                          <p:spTgt spid="23"/>
+                                        </p:tgtEl>
+                                      </p:cBhvr>
+                                    </p:animEffect>
+                                  </p:childTnLst>
+                                </p:cTn>
+                              </p:par>
+                            </p:childTnLst>
+                          </p:cTn>
+                        </p:par>
                       </p:childTnLst>
                     </p:cTn>
                   </p:par>
@@ -14884,7 +15381,7 @@
               </p:nextCondLst>
             </p:seq>
             <p:seq concurrent="1" nextAc="seek">
-              <p:cTn id="34" restart="whenNotActive" fill="hold" evtFilter="cancelBubble" nodeType="interactiveSeq">
+              <p:cTn id="40" restart="whenNotActive" fill="hold" evtFilter="cancelBubble" nodeType="interactiveSeq">
                 <p:stCondLst>
                   <p:cond evt="onClick" delay="0">
                     <p:tgtEl>
@@ -14897,26 +15394,26 @@
                 </p:endSync>
                 <p:childTnLst>
                   <p:par>
-                    <p:cTn id="35" fill="hold">
+                    <p:cTn id="41" fill="hold">
                       <p:stCondLst>
                         <p:cond delay="0"/>
                       </p:stCondLst>
                       <p:childTnLst>
                         <p:par>
-                          <p:cTn id="36" fill="hold">
+                          <p:cTn id="42" fill="hold">
                             <p:stCondLst>
                               <p:cond delay="0"/>
                             </p:stCondLst>
                             <p:childTnLst>
                               <p:par>
-                                <p:cTn id="37" presetID="53" presetClass="entr" presetSubtype="16" fill="hold" nodeType="clickEffect">
+                                <p:cTn id="43" presetID="53" presetClass="entr" presetSubtype="16" fill="hold" nodeType="clickEffect">
                                   <p:stCondLst>
                                     <p:cond delay="0"/>
                                   </p:stCondLst>
                                   <p:childTnLst>
                                     <p:set>
                                       <p:cBhvr>
-                                        <p:cTn id="38" dur="1" fill="hold">
+                                        <p:cTn id="44" dur="1" fill="hold">
                                           <p:stCondLst>
                                             <p:cond delay="0"/>
                                           </p:stCondLst>
@@ -14934,7 +15431,7 @@
                                     </p:set>
                                     <p:anim calcmode="lin" valueType="num">
                                       <p:cBhvr>
-                                        <p:cTn id="39" dur="500" fill="hold"/>
+                                        <p:cTn id="45" dur="500" fill="hold"/>
                                         <p:tgtEl>
                                           <p:spTgt spid="4"/>
                                         </p:tgtEl>
@@ -14957,7 +15454,7 @@
                                     </p:anim>
                                     <p:anim calcmode="lin" valueType="num">
                                       <p:cBhvr>
-                                        <p:cTn id="40" dur="500" fill="hold"/>
+                                        <p:cTn id="46" dur="500" fill="hold"/>
                                         <p:tgtEl>
                                           <p:spTgt spid="4"/>
                                         </p:tgtEl>
@@ -14980,12 +15477,66 @@
                                     </p:anim>
                                     <p:animEffect transition="in" filter="fade">
                                       <p:cBhvr>
-                                        <p:cTn id="41" dur="500"/>
+                                        <p:cTn id="47" dur="500"/>
                                         <p:tgtEl>
                                           <p:spTgt spid="4"/>
                                         </p:tgtEl>
                                       </p:cBhvr>
                                     </p:animEffect>
+                                  </p:childTnLst>
+                                </p:cTn>
+                              </p:par>
+                              <p:par>
+                                <p:cTn id="48" presetID="1" presetClass="entr" presetSubtype="0" fill="hold" grpId="0" nodeType="withEffect">
+                                  <p:stCondLst>
+                                    <p:cond delay="0"/>
+                                  </p:stCondLst>
+                                  <p:childTnLst>
+                                    <p:set>
+                                      <p:cBhvr>
+                                        <p:cTn id="49" dur="1" fill="hold">
+                                          <p:stCondLst>
+                                            <p:cond delay="0"/>
+                                          </p:stCondLst>
+                                        </p:cTn>
+                                        <p:tgtEl>
+                                          <p:spTgt spid="22"/>
+                                        </p:tgtEl>
+                                        <p:attrNameLst>
+                                          <p:attrName>style.visibility</p:attrName>
+                                        </p:attrNameLst>
+                                      </p:cBhvr>
+                                      <p:to>
+                                        <p:strVal val="visible"/>
+                                      </p:to>
+                                    </p:set>
+                                  </p:childTnLst>
+                                </p:cTn>
+                              </p:par>
+                              <p:par>
+                                <p:cTn id="50" presetID="1" presetClass="exit" presetSubtype="0" fill="hold" grpId="0" nodeType="withEffect">
+                                  <p:stCondLst>
+                                    <p:cond delay="0"/>
+                                  </p:stCondLst>
+                                  <p:childTnLst>
+                                    <p:set>
+                                      <p:cBhvr>
+                                        <p:cTn id="51" dur="1" fill="hold">
+                                          <p:stCondLst>
+                                            <p:cond delay="0"/>
+                                          </p:stCondLst>
+                                        </p:cTn>
+                                        <p:tgtEl>
+                                          <p:spTgt spid="23"/>
+                                        </p:tgtEl>
+                                        <p:attrNameLst>
+                                          <p:attrName>style.visibility</p:attrName>
+                                        </p:attrNameLst>
+                                      </p:cBhvr>
+                                      <p:to>
+                                        <p:strVal val="hidden"/>
+                                      </p:to>
+                                    </p:set>
                                   </p:childTnLst>
                                 </p:cTn>
                               </p:par>
@@ -15006,7 +15557,7 @@
               </p:nextCondLst>
             </p:seq>
             <p:seq concurrent="1" nextAc="seek">
-              <p:cTn id="42" restart="whenNotActive" fill="hold" evtFilter="cancelBubble" nodeType="interactiveSeq">
+              <p:cTn id="52" restart="whenNotActive" fill="hold" evtFilter="cancelBubble" nodeType="interactiveSeq">
                 <p:stCondLst>
                   <p:cond evt="onClick" delay="0">
                     <p:tgtEl>
@@ -15019,26 +15570,26 @@
                 </p:endSync>
                 <p:childTnLst>
                   <p:par>
-                    <p:cTn id="43" fill="hold">
+                    <p:cTn id="53" fill="hold">
                       <p:stCondLst>
                         <p:cond delay="0"/>
                       </p:stCondLst>
                       <p:childTnLst>
                         <p:par>
-                          <p:cTn id="44" fill="hold">
+                          <p:cTn id="54" fill="hold">
                             <p:stCondLst>
                               <p:cond delay="0"/>
                             </p:stCondLst>
                             <p:childTnLst>
                               <p:par>
-                                <p:cTn id="45" presetID="53" presetClass="exit" presetSubtype="32" fill="hold" nodeType="clickEffect">
+                                <p:cTn id="55" presetID="53" presetClass="exit" presetSubtype="32" fill="hold" nodeType="clickEffect">
                                   <p:stCondLst>
                                     <p:cond delay="0"/>
                                   </p:stCondLst>
                                   <p:childTnLst>
                                     <p:anim calcmode="lin" valueType="num">
                                       <p:cBhvr>
-                                        <p:cTn id="46" dur="500"/>
+                                        <p:cTn id="56" dur="500"/>
                                         <p:tgtEl>
                                           <p:spTgt spid="4"/>
                                         </p:tgtEl>
@@ -15061,7 +15612,7 @@
                                     </p:anim>
                                     <p:anim calcmode="lin" valueType="num">
                                       <p:cBhvr>
-                                        <p:cTn id="47" dur="500"/>
+                                        <p:cTn id="57" dur="500"/>
                                         <p:tgtEl>
                                           <p:spTgt spid="4"/>
                                         </p:tgtEl>
@@ -15084,7 +15635,7 @@
                                     </p:anim>
                                     <p:animEffect transition="out" filter="fade">
                                       <p:cBhvr>
-                                        <p:cTn id="48" dur="500"/>
+                                        <p:cTn id="58" dur="500"/>
                                         <p:tgtEl>
                                           <p:spTgt spid="4"/>
                                         </p:tgtEl>
@@ -15092,7 +15643,7 @@
                                     </p:animEffect>
                                     <p:set>
                                       <p:cBhvr>
-                                        <p:cTn id="49" dur="1" fill="hold">
+                                        <p:cTn id="59" dur="1" fill="hold">
                                           <p:stCondLst>
                                             <p:cond delay="499"/>
                                           </p:stCondLst>
@@ -15106,6 +15657,60 @@
                                       </p:cBhvr>
                                       <p:to>
                                         <p:strVal val="hidden"/>
+                                      </p:to>
+                                    </p:set>
+                                  </p:childTnLst>
+                                </p:cTn>
+                              </p:par>
+                              <p:par>
+                                <p:cTn id="60" presetID="1" presetClass="exit" presetSubtype="0" fill="hold" grpId="1" nodeType="withEffect">
+                                  <p:stCondLst>
+                                    <p:cond delay="0"/>
+                                  </p:stCondLst>
+                                  <p:childTnLst>
+                                    <p:set>
+                                      <p:cBhvr>
+                                        <p:cTn id="61" dur="1" fill="hold">
+                                          <p:stCondLst>
+                                            <p:cond delay="0"/>
+                                          </p:stCondLst>
+                                        </p:cTn>
+                                        <p:tgtEl>
+                                          <p:spTgt spid="22"/>
+                                        </p:tgtEl>
+                                        <p:attrNameLst>
+                                          <p:attrName>style.visibility</p:attrName>
+                                        </p:attrNameLst>
+                                      </p:cBhvr>
+                                      <p:to>
+                                        <p:strVal val="hidden"/>
+                                      </p:to>
+                                    </p:set>
+                                  </p:childTnLst>
+                                </p:cTn>
+                              </p:par>
+                              <p:par>
+                                <p:cTn id="62" presetID="1" presetClass="entr" presetSubtype="0" fill="hold" grpId="1" nodeType="withEffect">
+                                  <p:stCondLst>
+                                    <p:cond delay="0"/>
+                                  </p:stCondLst>
+                                  <p:childTnLst>
+                                    <p:set>
+                                      <p:cBhvr>
+                                        <p:cTn id="63" dur="1" fill="hold">
+                                          <p:stCondLst>
+                                            <p:cond delay="0"/>
+                                          </p:stCondLst>
+                                        </p:cTn>
+                                        <p:tgtEl>
+                                          <p:spTgt spid="23"/>
+                                        </p:tgtEl>
+                                        <p:attrNameLst>
+                                          <p:attrName>style.visibility</p:attrName>
+                                        </p:attrNameLst>
+                                      </p:cBhvr>
+                                      <p:to>
+                                        <p:strVal val="visible"/>
                                       </p:to>
                                     </p:set>
                                   </p:childTnLst>
@@ -15137,6 +15742,11 @@
       <p:bldP spid="12" grpId="0" animBg="1"/>
       <p:bldP spid="9" grpId="0" animBg="1"/>
       <p:bldP spid="13" grpId="0" animBg="1"/>
+      <p:bldP spid="22" grpId="0" animBg="1"/>
+      <p:bldP spid="22" grpId="1" animBg="1"/>
+      <p:bldP spid="23" grpId="0" animBg="1"/>
+      <p:bldP spid="23" grpId="1" animBg="1"/>
+      <p:bldP spid="23" grpId="2" animBg="1"/>
     </p:bldLst>
   </p:timing>
 </p:sld>
@@ -15598,7 +16208,7 @@
           <a:p>
             <a:pPr algn="ctr"/>
             <a:r>
-              <a:rPr lang="ru-RU" b="1" dirty="0">
+              <a:rPr lang="en-US" b="1" dirty="0">
                 <a:effectLst>
                   <a:outerShdw blurRad="38100" dist="38100" dir="2700000" algn="tl">
                     <a:srgbClr val="000000">
@@ -15607,17 +16217,8 @@
                   </a:outerShdw>
                 </a:effectLst>
               </a:rPr>
-              <a:t>Содержание</a:t>
-            </a:r>
-            <a:endParaRPr lang="en-US" b="1" dirty="0">
-              <a:effectLst>
-                <a:outerShdw blurRad="38100" dist="38100" dir="2700000" algn="tl">
-                  <a:srgbClr val="000000">
-                    <a:alpha val="43137"/>
-                  </a:srgbClr>
-                </a:outerShdw>
-              </a:effectLst>
-            </a:endParaRPr>
+              <a:t>Syllabus</a:t>
+            </a:r>
           </a:p>
         </p:txBody>
       </p:sp>
@@ -15932,6 +16533,122 @@
           </a:effectLst>
         </p:spPr>
       </p:pic>
+      <p:sp>
+        <p:nvSpPr>
+          <p:cNvPr id="14" name="Show - Lock">
+            <a:extLst>
+              <a:ext uri="{FF2B5EF4-FFF2-40B4-BE49-F238E27FC236}">
+                <a16:creationId xmlns:a16="http://schemas.microsoft.com/office/drawing/2014/main" id="{4CA851DE-7118-4B47-A5D1-B56B45DCC4C4}"/>
+              </a:ext>
+            </a:extLst>
+          </p:cNvPr>
+          <p:cNvSpPr txBox="1"/>
+          <p:nvPr/>
+        </p:nvSpPr>
+        <p:spPr>
+          <a:xfrm>
+            <a:off x="5604264" y="6248400"/>
+            <a:ext cx="1262019" cy="404689"/>
+          </a:xfrm>
+          <a:prstGeom prst="rect">
+            <a:avLst/>
+          </a:prstGeom>
+          <a:solidFill>
+            <a:schemeClr val="bg1">
+              <a:lumMod val="95000"/>
+              <a:lumOff val="5000"/>
+              <a:alpha val="54000"/>
+            </a:schemeClr>
+          </a:solidFill>
+          <a:ln>
+            <a:noFill/>
+          </a:ln>
+          <a:effectLst>
+            <a:glow rad="101600">
+              <a:srgbClr val="FF0000">
+                <a:alpha val="60000"/>
+              </a:srgbClr>
+            </a:glow>
+            <a:softEdge rad="12700"/>
+          </a:effectLst>
+        </p:spPr>
+        <p:txBody>
+          <a:bodyPr wrap="square" rtlCol="0">
+            <a:spAutoFit/>
+          </a:bodyPr>
+          <a:lstStyle/>
+          <a:p>
+            <a:pPr algn="ctr"/>
+            <a:endParaRPr lang="en-US" b="1" dirty="0">
+              <a:effectLst>
+                <a:outerShdw blurRad="38100" dist="38100" dir="2700000" algn="tl">
+                  <a:srgbClr val="000000">
+                    <a:alpha val="43137"/>
+                  </a:srgbClr>
+                </a:outerShdw>
+              </a:effectLst>
+            </a:endParaRPr>
+          </a:p>
+        </p:txBody>
+      </p:sp>
+      <p:sp>
+        <p:nvSpPr>
+          <p:cNvPr id="15" name="Hide - Lock">
+            <a:extLst>
+              <a:ext uri="{FF2B5EF4-FFF2-40B4-BE49-F238E27FC236}">
+                <a16:creationId xmlns:a16="http://schemas.microsoft.com/office/drawing/2014/main" id="{C0DB7ABC-5644-4EED-9A11-F6CC84862760}"/>
+              </a:ext>
+            </a:extLst>
+          </p:cNvPr>
+          <p:cNvSpPr txBox="1"/>
+          <p:nvPr/>
+        </p:nvSpPr>
+        <p:spPr>
+          <a:xfrm>
+            <a:off x="6944113" y="6248400"/>
+            <a:ext cx="1262019" cy="404689"/>
+          </a:xfrm>
+          <a:prstGeom prst="rect">
+            <a:avLst/>
+          </a:prstGeom>
+          <a:solidFill>
+            <a:schemeClr val="bg1">
+              <a:lumMod val="95000"/>
+              <a:lumOff val="5000"/>
+              <a:alpha val="54000"/>
+            </a:schemeClr>
+          </a:solidFill>
+          <a:ln>
+            <a:noFill/>
+          </a:ln>
+          <a:effectLst>
+            <a:glow rad="101600">
+              <a:srgbClr val="FF0000">
+                <a:alpha val="60000"/>
+              </a:srgbClr>
+            </a:glow>
+            <a:softEdge rad="12700"/>
+          </a:effectLst>
+        </p:spPr>
+        <p:txBody>
+          <a:bodyPr wrap="square" rtlCol="0">
+            <a:spAutoFit/>
+          </a:bodyPr>
+          <a:lstStyle/>
+          <a:p>
+            <a:pPr algn="ctr"/>
+            <a:endParaRPr lang="en-US" b="1" dirty="0">
+              <a:effectLst>
+                <a:outerShdw blurRad="38100" dist="38100" dir="2700000" algn="tl">
+                  <a:srgbClr val="000000">
+                    <a:alpha val="43137"/>
+                  </a:srgbClr>
+                </a:outerShdw>
+              </a:effectLst>
+            </a:endParaRPr>
+          </a:p>
+        </p:txBody>
+      </p:sp>
     </p:spTree>
     <p:extLst>
       <p:ext uri="{BB962C8B-B14F-4D97-AF65-F5344CB8AC3E}">
@@ -16428,7 +17145,7 @@
                             </p:stCondLst>
                             <p:childTnLst>
                               <p:par>
-                                <p:cTn id="35" presetID="14" presetClass="entr" presetSubtype="10" fill="hold" nodeType="afterEffect">
+                                <p:cTn id="35" presetID="53" presetClass="entr" presetSubtype="16" fill="hold" grpId="2" nodeType="afterEffect">
                                   <p:stCondLst>
                                     <p:cond delay="0"/>
                                   </p:stCondLst>
@@ -16441,6 +17158,96 @@
                                           </p:stCondLst>
                                         </p:cTn>
                                         <p:tgtEl>
+                                          <p:spTgt spid="15"/>
+                                        </p:tgtEl>
+                                        <p:attrNameLst>
+                                          <p:attrName>style.visibility</p:attrName>
+                                        </p:attrNameLst>
+                                      </p:cBhvr>
+                                      <p:to>
+                                        <p:strVal val="visible"/>
+                                      </p:to>
+                                    </p:set>
+                                    <p:anim calcmode="lin" valueType="num">
+                                      <p:cBhvr>
+                                        <p:cTn id="37" dur="200" fill="hold"/>
+                                        <p:tgtEl>
+                                          <p:spTgt spid="15"/>
+                                        </p:tgtEl>
+                                        <p:attrNameLst>
+                                          <p:attrName>ppt_w</p:attrName>
+                                        </p:attrNameLst>
+                                      </p:cBhvr>
+                                      <p:tavLst>
+                                        <p:tav tm="0">
+                                          <p:val>
+                                            <p:fltVal val="0"/>
+                                          </p:val>
+                                        </p:tav>
+                                        <p:tav tm="100000">
+                                          <p:val>
+                                            <p:strVal val="#ppt_w"/>
+                                          </p:val>
+                                        </p:tav>
+                                      </p:tavLst>
+                                    </p:anim>
+                                    <p:anim calcmode="lin" valueType="num">
+                                      <p:cBhvr>
+                                        <p:cTn id="38" dur="200" fill="hold"/>
+                                        <p:tgtEl>
+                                          <p:spTgt spid="15"/>
+                                        </p:tgtEl>
+                                        <p:attrNameLst>
+                                          <p:attrName>ppt_h</p:attrName>
+                                        </p:attrNameLst>
+                                      </p:cBhvr>
+                                      <p:tavLst>
+                                        <p:tav tm="0">
+                                          <p:val>
+                                            <p:fltVal val="0"/>
+                                          </p:val>
+                                        </p:tav>
+                                        <p:tav tm="100000">
+                                          <p:val>
+                                            <p:strVal val="#ppt_h"/>
+                                          </p:val>
+                                        </p:tav>
+                                      </p:tavLst>
+                                    </p:anim>
+                                    <p:animEffect transition="in" filter="fade">
+                                      <p:cBhvr>
+                                        <p:cTn id="39" dur="200"/>
+                                        <p:tgtEl>
+                                          <p:spTgt spid="15"/>
+                                        </p:tgtEl>
+                                      </p:cBhvr>
+                                    </p:animEffect>
+                                  </p:childTnLst>
+                                </p:cTn>
+                              </p:par>
+                            </p:childTnLst>
+                          </p:cTn>
+                        </p:par>
+                        <p:par>
+                          <p:cTn id="40" fill="hold">
+                            <p:stCondLst>
+                              <p:cond delay="1200"/>
+                            </p:stCondLst>
+                            <p:childTnLst>
+                              <p:par>
+                                <p:cTn id="41" presetID="14" presetClass="entr" presetSubtype="10" fill="hold" nodeType="afterEffect">
+                                  <p:stCondLst>
+                                    <p:cond delay="0"/>
+                                  </p:stCondLst>
+                                  <p:childTnLst>
+                                    <p:set>
+                                      <p:cBhvr>
+                                        <p:cTn id="42" dur="1" fill="hold">
+                                          <p:stCondLst>
+                                            <p:cond delay="0"/>
+                                          </p:stCondLst>
+                                        </p:cTn>
+                                        <p:tgtEl>
                                           <p:spTgt spid="4"/>
                                         </p:tgtEl>
                                         <p:attrNameLst>
@@ -16453,7 +17260,7 @@
                                     </p:set>
                                     <p:animEffect transition="in" filter="randombar(horizontal)">
                                       <p:cBhvr>
-                                        <p:cTn id="37" dur="500"/>
+                                        <p:cTn id="43" dur="500"/>
                                         <p:tgtEl>
                                           <p:spTgt spid="4"/>
                                         </p:tgtEl>
@@ -16486,7 +17293,7 @@
               </p:nextCondLst>
             </p:seq>
             <p:seq concurrent="1" nextAc="seek">
-              <p:cTn id="38" restart="whenNotActive" fill="hold" evtFilter="cancelBubble" nodeType="interactiveSeq">
+              <p:cTn id="44" restart="whenNotActive" fill="hold" evtFilter="cancelBubble" nodeType="interactiveSeq">
                 <p:stCondLst>
                   <p:cond evt="onClick" delay="0">
                     <p:tgtEl>
@@ -16499,26 +17306,26 @@
                 </p:endSync>
                 <p:childTnLst>
                   <p:par>
-                    <p:cTn id="39" fill="hold">
+                    <p:cTn id="45" fill="hold">
                       <p:stCondLst>
                         <p:cond delay="0"/>
                       </p:stCondLst>
                       <p:childTnLst>
                         <p:par>
-                          <p:cTn id="40" fill="hold">
+                          <p:cTn id="46" fill="hold">
                             <p:stCondLst>
                               <p:cond delay="0"/>
                             </p:stCondLst>
                             <p:childTnLst>
                               <p:par>
-                                <p:cTn id="41" presetID="53" presetClass="entr" presetSubtype="16" fill="hold" nodeType="clickEffect">
+                                <p:cTn id="47" presetID="53" presetClass="entr" presetSubtype="16" fill="hold" nodeType="clickEffect">
                                   <p:stCondLst>
                                     <p:cond delay="0"/>
                                   </p:stCondLst>
                                   <p:childTnLst>
                                     <p:set>
                                       <p:cBhvr>
-                                        <p:cTn id="42" dur="1" fill="hold">
+                                        <p:cTn id="48" dur="1" fill="hold">
                                           <p:stCondLst>
                                             <p:cond delay="0"/>
                                           </p:stCondLst>
@@ -16536,7 +17343,7 @@
                                     </p:set>
                                     <p:anim calcmode="lin" valueType="num">
                                       <p:cBhvr>
-                                        <p:cTn id="43" dur="500" fill="hold"/>
+                                        <p:cTn id="49" dur="500" fill="hold"/>
                                         <p:tgtEl>
                                           <p:spTgt spid="5"/>
                                         </p:tgtEl>
@@ -16559,7 +17366,7 @@
                                     </p:anim>
                                     <p:anim calcmode="lin" valueType="num">
                                       <p:cBhvr>
-                                        <p:cTn id="44" dur="500" fill="hold"/>
+                                        <p:cTn id="50" dur="500" fill="hold"/>
                                         <p:tgtEl>
                                           <p:spTgt spid="5"/>
                                         </p:tgtEl>
@@ -16582,12 +17389,66 @@
                                     </p:anim>
                                     <p:animEffect transition="in" filter="fade">
                                       <p:cBhvr>
-                                        <p:cTn id="45" dur="500"/>
+                                        <p:cTn id="51" dur="500"/>
                                         <p:tgtEl>
                                           <p:spTgt spid="5"/>
                                         </p:tgtEl>
                                       </p:cBhvr>
                                     </p:animEffect>
+                                  </p:childTnLst>
+                                </p:cTn>
+                              </p:par>
+                              <p:par>
+                                <p:cTn id="52" presetID="1" presetClass="entr" presetSubtype="0" fill="hold" grpId="0" nodeType="withEffect">
+                                  <p:stCondLst>
+                                    <p:cond delay="0"/>
+                                  </p:stCondLst>
+                                  <p:childTnLst>
+                                    <p:set>
+                                      <p:cBhvr>
+                                        <p:cTn id="53" dur="1" fill="hold">
+                                          <p:stCondLst>
+                                            <p:cond delay="0"/>
+                                          </p:stCondLst>
+                                        </p:cTn>
+                                        <p:tgtEl>
+                                          <p:spTgt spid="14"/>
+                                        </p:tgtEl>
+                                        <p:attrNameLst>
+                                          <p:attrName>style.visibility</p:attrName>
+                                        </p:attrNameLst>
+                                      </p:cBhvr>
+                                      <p:to>
+                                        <p:strVal val="visible"/>
+                                      </p:to>
+                                    </p:set>
+                                  </p:childTnLst>
+                                </p:cTn>
+                              </p:par>
+                              <p:par>
+                                <p:cTn id="54" presetID="1" presetClass="exit" presetSubtype="0" fill="hold" grpId="0" nodeType="withEffect">
+                                  <p:stCondLst>
+                                    <p:cond delay="0"/>
+                                  </p:stCondLst>
+                                  <p:childTnLst>
+                                    <p:set>
+                                      <p:cBhvr>
+                                        <p:cTn id="55" dur="1" fill="hold">
+                                          <p:stCondLst>
+                                            <p:cond delay="0"/>
+                                          </p:stCondLst>
+                                        </p:cTn>
+                                        <p:tgtEl>
+                                          <p:spTgt spid="15"/>
+                                        </p:tgtEl>
+                                        <p:attrNameLst>
+                                          <p:attrName>style.visibility</p:attrName>
+                                        </p:attrNameLst>
+                                      </p:cBhvr>
+                                      <p:to>
+                                        <p:strVal val="hidden"/>
+                                      </p:to>
+                                    </p:set>
                                   </p:childTnLst>
                                 </p:cTn>
                               </p:par>
@@ -16608,7 +17469,7 @@
               </p:nextCondLst>
             </p:seq>
             <p:seq concurrent="1" nextAc="seek">
-              <p:cTn id="46" restart="whenNotActive" fill="hold" evtFilter="cancelBubble" nodeType="interactiveSeq">
+              <p:cTn id="56" restart="whenNotActive" fill="hold" evtFilter="cancelBubble" nodeType="interactiveSeq">
                 <p:stCondLst>
                   <p:cond evt="onClick" delay="0">
                     <p:tgtEl>
@@ -16621,26 +17482,26 @@
                 </p:endSync>
                 <p:childTnLst>
                   <p:par>
-                    <p:cTn id="47" fill="hold">
+                    <p:cTn id="57" fill="hold">
                       <p:stCondLst>
                         <p:cond delay="0"/>
                       </p:stCondLst>
                       <p:childTnLst>
                         <p:par>
-                          <p:cTn id="48" fill="hold">
+                          <p:cTn id="58" fill="hold">
                             <p:stCondLst>
                               <p:cond delay="0"/>
                             </p:stCondLst>
                             <p:childTnLst>
                               <p:par>
-                                <p:cTn id="49" presetID="53" presetClass="exit" presetSubtype="32" fill="hold" nodeType="clickEffect">
+                                <p:cTn id="59" presetID="53" presetClass="exit" presetSubtype="32" fill="hold" nodeType="clickEffect">
                                   <p:stCondLst>
                                     <p:cond delay="0"/>
                                   </p:stCondLst>
                                   <p:childTnLst>
                                     <p:anim calcmode="lin" valueType="num">
                                       <p:cBhvr>
-                                        <p:cTn id="50" dur="500"/>
+                                        <p:cTn id="60" dur="500"/>
                                         <p:tgtEl>
                                           <p:spTgt spid="5"/>
                                         </p:tgtEl>
@@ -16663,7 +17524,7 @@
                                     </p:anim>
                                     <p:anim calcmode="lin" valueType="num">
                                       <p:cBhvr>
-                                        <p:cTn id="51" dur="500"/>
+                                        <p:cTn id="61" dur="500"/>
                                         <p:tgtEl>
                                           <p:spTgt spid="5"/>
                                         </p:tgtEl>
@@ -16686,7 +17547,7 @@
                                     </p:anim>
                                     <p:animEffect transition="out" filter="fade">
                                       <p:cBhvr>
-                                        <p:cTn id="52" dur="500"/>
+                                        <p:cTn id="62" dur="500"/>
                                         <p:tgtEl>
                                           <p:spTgt spid="5"/>
                                         </p:tgtEl>
@@ -16694,7 +17555,7 @@
                                     </p:animEffect>
                                     <p:set>
                                       <p:cBhvr>
-                                        <p:cTn id="53" dur="1" fill="hold">
+                                        <p:cTn id="63" dur="1" fill="hold">
                                           <p:stCondLst>
                                             <p:cond delay="499"/>
                                           </p:stCondLst>
@@ -16708,6 +17569,60 @@
                                       </p:cBhvr>
                                       <p:to>
                                         <p:strVal val="hidden"/>
+                                      </p:to>
+                                    </p:set>
+                                  </p:childTnLst>
+                                </p:cTn>
+                              </p:par>
+                              <p:par>
+                                <p:cTn id="64" presetID="1" presetClass="exit" presetSubtype="0" fill="hold" grpId="1" nodeType="withEffect">
+                                  <p:stCondLst>
+                                    <p:cond delay="0"/>
+                                  </p:stCondLst>
+                                  <p:childTnLst>
+                                    <p:set>
+                                      <p:cBhvr>
+                                        <p:cTn id="65" dur="1" fill="hold">
+                                          <p:stCondLst>
+                                            <p:cond delay="0"/>
+                                          </p:stCondLst>
+                                        </p:cTn>
+                                        <p:tgtEl>
+                                          <p:spTgt spid="14"/>
+                                        </p:tgtEl>
+                                        <p:attrNameLst>
+                                          <p:attrName>style.visibility</p:attrName>
+                                        </p:attrNameLst>
+                                      </p:cBhvr>
+                                      <p:to>
+                                        <p:strVal val="hidden"/>
+                                      </p:to>
+                                    </p:set>
+                                  </p:childTnLst>
+                                </p:cTn>
+                              </p:par>
+                              <p:par>
+                                <p:cTn id="66" presetID="1" presetClass="entr" presetSubtype="0" fill="hold" grpId="1" nodeType="withEffect">
+                                  <p:stCondLst>
+                                    <p:cond delay="0"/>
+                                  </p:stCondLst>
+                                  <p:childTnLst>
+                                    <p:set>
+                                      <p:cBhvr>
+                                        <p:cTn id="67" dur="1" fill="hold">
+                                          <p:stCondLst>
+                                            <p:cond delay="0"/>
+                                          </p:stCondLst>
+                                        </p:cTn>
+                                        <p:tgtEl>
+                                          <p:spTgt spid="15"/>
+                                        </p:tgtEl>
+                                        <p:attrNameLst>
+                                          <p:attrName>style.visibility</p:attrName>
+                                        </p:attrNameLst>
+                                      </p:cBhvr>
+                                      <p:to>
+                                        <p:strVal val="visible"/>
                                       </p:to>
                                     </p:set>
                                   </p:childTnLst>
@@ -16739,6 +17654,11 @@
       <p:bldP spid="12" grpId="0" animBg="1"/>
       <p:bldP spid="9" grpId="0" animBg="1"/>
       <p:bldP spid="13" grpId="0" animBg="1"/>
+      <p:bldP spid="14" grpId="0" animBg="1"/>
+      <p:bldP spid="14" grpId="1" animBg="1"/>
+      <p:bldP spid="15" grpId="0" animBg="1"/>
+      <p:bldP spid="15" grpId="1" animBg="1"/>
+      <p:bldP spid="15" grpId="2" animBg="1"/>
     </p:bldLst>
   </p:timing>
 </p:sld>
@@ -17337,7 +18257,7 @@
           <a:p>
             <a:pPr algn="ctr"/>
             <a:r>
-              <a:rPr lang="ru-RU" b="1" dirty="0">
+              <a:rPr lang="en-US" b="1" dirty="0">
                 <a:effectLst>
                   <a:outerShdw blurRad="38100" dist="38100" dir="2700000" algn="tl">
                     <a:srgbClr val="000000">
@@ -17346,17 +18266,8 @@
                   </a:outerShdw>
                 </a:effectLst>
               </a:rPr>
-              <a:t>Содержание</a:t>
-            </a:r>
-            <a:endParaRPr lang="en-US" b="1" dirty="0">
-              <a:effectLst>
-                <a:outerShdw blurRad="38100" dist="38100" dir="2700000" algn="tl">
-                  <a:srgbClr val="000000">
-                    <a:alpha val="43137"/>
-                  </a:srgbClr>
-                </a:outerShdw>
-              </a:effectLst>
-            </a:endParaRPr>
+              <a:t>Syllabus</a:t>
+            </a:r>
           </a:p>
         </p:txBody>
       </p:sp>
@@ -18371,7 +19282,7 @@
           <a:p>
             <a:pPr algn="ctr"/>
             <a:r>
-              <a:rPr lang="ru-RU" b="1" dirty="0">
+              <a:rPr lang="en-US" b="1" dirty="0">
                 <a:effectLst>
                   <a:outerShdw blurRad="38100" dist="38100" dir="2700000" algn="tl">
                     <a:srgbClr val="000000">
@@ -18380,17 +19291,8 @@
                   </a:outerShdw>
                 </a:effectLst>
               </a:rPr>
-              <a:t>Содержание</a:t>
-            </a:r>
-            <a:endParaRPr lang="en-US" b="1" dirty="0">
-              <a:effectLst>
-                <a:outerShdw blurRad="38100" dist="38100" dir="2700000" algn="tl">
-                  <a:srgbClr val="000000">
-                    <a:alpha val="43137"/>
-                  </a:srgbClr>
-                </a:outerShdw>
-              </a:effectLst>
-            </a:endParaRPr>
+              <a:t>Syllabus</a:t>
+            </a:r>
           </a:p>
         </p:txBody>
       </p:sp>

--- a/NETMouse - .NET release/Presentations/ABCNET как продолжение PABCSystem.pptx
+++ b/NETMouse - .NET release/Presentations/ABCNET как продолжение PABCSystem.pptx
@@ -350,7 +350,7 @@
           <a:p>
             <a:fld id="{16BAEFA7-2779-4BB5-B747-F6F9AD59C1D9}" type="datetimeFigureOut">
               <a:rPr lang="en-US" smtClean="0"/>
-              <a:t>3/18/2020</a:t>
+              <a:t>3/19/2020</a:t>
             </a:fld>
             <a:endParaRPr lang="en-US"/>
           </a:p>
@@ -684,7 +684,7 @@
           <a:p>
             <a:fld id="{16BAEFA7-2779-4BB5-B747-F6F9AD59C1D9}" type="datetimeFigureOut">
               <a:rPr lang="en-US" smtClean="0"/>
-              <a:t>3/18/2020</a:t>
+              <a:t>3/19/2020</a:t>
             </a:fld>
             <a:endParaRPr lang="en-US"/>
           </a:p>
@@ -962,7 +962,7 @@
           <a:p>
             <a:fld id="{16BAEFA7-2779-4BB5-B747-F6F9AD59C1D9}" type="datetimeFigureOut">
               <a:rPr lang="en-US" smtClean="0"/>
-              <a:t>3/18/2020</a:t>
+              <a:t>3/19/2020</a:t>
             </a:fld>
             <a:endParaRPr lang="en-US"/>
           </a:p>
@@ -1530,7 +1530,7 @@
           <a:p>
             <a:fld id="{16BAEFA7-2779-4BB5-B747-F6F9AD59C1D9}" type="datetimeFigureOut">
               <a:rPr lang="en-US" smtClean="0"/>
-              <a:t>3/18/2020</a:t>
+              <a:t>3/19/2020</a:t>
             </a:fld>
             <a:endParaRPr lang="en-US"/>
           </a:p>
@@ -1808,7 +1808,7 @@
           <a:p>
             <a:fld id="{16BAEFA7-2779-4BB5-B747-F6F9AD59C1D9}" type="datetimeFigureOut">
               <a:rPr lang="en-US" smtClean="0"/>
-              <a:t>3/18/2020</a:t>
+              <a:t>3/19/2020</a:t>
             </a:fld>
             <a:endParaRPr lang="en-US"/>
           </a:p>
@@ -2370,7 +2370,7 @@
           <a:p>
             <a:fld id="{16BAEFA7-2779-4BB5-B747-F6F9AD59C1D9}" type="datetimeFigureOut">
               <a:rPr lang="en-US" smtClean="0"/>
-              <a:t>3/18/2020</a:t>
+              <a:t>3/19/2020</a:t>
             </a:fld>
             <a:endParaRPr lang="en-US"/>
           </a:p>
@@ -2697,7 +2697,7 @@
           <a:p>
             <a:fld id="{16BAEFA7-2779-4BB5-B747-F6F9AD59C1D9}" type="datetimeFigureOut">
               <a:rPr lang="en-US" smtClean="0"/>
-              <a:t>3/18/2020</a:t>
+              <a:t>3/19/2020</a:t>
             </a:fld>
             <a:endParaRPr lang="en-US"/>
           </a:p>
@@ -2874,7 +2874,7 @@
           <a:p>
             <a:fld id="{16BAEFA7-2779-4BB5-B747-F6F9AD59C1D9}" type="datetimeFigureOut">
               <a:rPr lang="en-US" smtClean="0"/>
-              <a:t>3/18/2020</a:t>
+              <a:t>3/19/2020</a:t>
             </a:fld>
             <a:endParaRPr lang="en-US"/>
           </a:p>
@@ -3112,7 +3112,7 @@
           <a:p>
             <a:fld id="{16BAEFA7-2779-4BB5-B747-F6F9AD59C1D9}" type="datetimeFigureOut">
               <a:rPr lang="en-US" smtClean="0"/>
-              <a:t>3/18/2020</a:t>
+              <a:t>3/19/2020</a:t>
             </a:fld>
             <a:endParaRPr lang="en-US"/>
           </a:p>
@@ -3312,7 +3312,7 @@
           <a:p>
             <a:fld id="{16BAEFA7-2779-4BB5-B747-F6F9AD59C1D9}" type="datetimeFigureOut">
               <a:rPr lang="en-US" smtClean="0"/>
-              <a:t>3/18/2020</a:t>
+              <a:t>3/19/2020</a:t>
             </a:fld>
             <a:endParaRPr lang="en-US"/>
           </a:p>
@@ -3588,7 +3588,7 @@
           <a:p>
             <a:fld id="{16BAEFA7-2779-4BB5-B747-F6F9AD59C1D9}" type="datetimeFigureOut">
               <a:rPr lang="en-US" smtClean="0"/>
-              <a:t>3/18/2020</a:t>
+              <a:t>3/19/2020</a:t>
             </a:fld>
             <a:endParaRPr lang="en-US"/>
           </a:p>
@@ -3854,7 +3854,7 @@
           <a:p>
             <a:fld id="{16BAEFA7-2779-4BB5-B747-F6F9AD59C1D9}" type="datetimeFigureOut">
               <a:rPr lang="en-US" smtClean="0"/>
-              <a:t>3/18/2020</a:t>
+              <a:t>3/19/2020</a:t>
             </a:fld>
             <a:endParaRPr lang="en-US"/>
           </a:p>
@@ -4228,7 +4228,7 @@
           <a:p>
             <a:fld id="{16BAEFA7-2779-4BB5-B747-F6F9AD59C1D9}" type="datetimeFigureOut">
               <a:rPr lang="en-US" smtClean="0"/>
-              <a:t>3/18/2020</a:t>
+              <a:t>3/19/2020</a:t>
             </a:fld>
             <a:endParaRPr lang="en-US"/>
           </a:p>
@@ -4376,7 +4376,7 @@
           <a:p>
             <a:fld id="{16BAEFA7-2779-4BB5-B747-F6F9AD59C1D9}" type="datetimeFigureOut">
               <a:rPr lang="en-US" smtClean="0"/>
-              <a:t>3/18/2020</a:t>
+              <a:t>3/19/2020</a:t>
             </a:fld>
             <a:endParaRPr lang="en-US"/>
           </a:p>
@@ -4501,7 +4501,7 @@
           <a:p>
             <a:fld id="{16BAEFA7-2779-4BB5-B747-F6F9AD59C1D9}" type="datetimeFigureOut">
               <a:rPr lang="en-US" smtClean="0"/>
-              <a:t>3/18/2020</a:t>
+              <a:t>3/19/2020</a:t>
             </a:fld>
             <a:endParaRPr lang="en-US"/>
           </a:p>
@@ -4786,7 +4786,7 @@
           <a:p>
             <a:fld id="{16BAEFA7-2779-4BB5-B747-F6F9AD59C1D9}" type="datetimeFigureOut">
               <a:rPr lang="en-US" smtClean="0"/>
-              <a:t>3/18/2020</a:t>
+              <a:t>3/19/2020</a:t>
             </a:fld>
             <a:endParaRPr lang="en-US"/>
           </a:p>
@@ -5110,7 +5110,7 @@
           <a:p>
             <a:fld id="{16BAEFA7-2779-4BB5-B747-F6F9AD59C1D9}" type="datetimeFigureOut">
               <a:rPr lang="en-US" smtClean="0"/>
-              <a:t>3/18/2020</a:t>
+              <a:t>3/19/2020</a:t>
             </a:fld>
             <a:endParaRPr lang="en-US"/>
           </a:p>
@@ -5324,7 +5324,7 @@
           <a:p>
             <a:fld id="{16BAEFA7-2779-4BB5-B747-F6F9AD59C1D9}" type="datetimeFigureOut">
               <a:rPr lang="en-US" smtClean="0"/>
-              <a:t>3/18/2020</a:t>
+              <a:t>3/19/2020</a:t>
             </a:fld>
             <a:endParaRPr lang="en-US"/>
           </a:p>
@@ -8314,7 +8314,55 @@
                     </a:outerShdw>
                   </a:effectLst>
                 </a:rPr>
-                <a:t>Что?</a:t>
+                <a:t>Что</a:t>
+              </a:r>
+              <a:r>
+                <a:rPr lang="en-US" b="1" dirty="0">
+                  <a:effectLst>
+                    <a:outerShdw blurRad="38100" dist="38100" dir="2700000" algn="tl">
+                      <a:srgbClr val="000000">
+                        <a:alpha val="43137"/>
+                      </a:srgbClr>
+                    </a:outerShdw>
+                  </a:effectLst>
+                </a:rPr>
+                <a:t> </a:t>
+              </a:r>
+              <a:r>
+                <a:rPr lang="ru-RU" b="1" dirty="0">
+                  <a:effectLst>
+                    <a:outerShdw blurRad="38100" dist="38100" dir="2700000" algn="tl">
+                      <a:srgbClr val="000000">
+                        <a:alpha val="43137"/>
+                      </a:srgbClr>
+                    </a:outerShdw>
+                  </a:effectLst>
+                </a:rPr>
+                <a:t>такое </a:t>
+              </a:r>
+              <a:r>
+                <a:rPr lang="en-US" b="1" dirty="0">
+                  <a:effectLst>
+                    <a:outerShdw blurRad="38100" dist="38100" dir="2700000" algn="tl">
+                      <a:srgbClr val="000000">
+                        <a:alpha val="43137"/>
+                      </a:srgbClr>
+                    </a:outerShdw>
+                  </a:effectLst>
+                </a:rPr>
+                <a:t>ABCNET</a:t>
+              </a:r>
+              <a:r>
+                <a:rPr lang="ru-RU" b="1" dirty="0">
+                  <a:effectLst>
+                    <a:outerShdw blurRad="38100" dist="38100" dir="2700000" algn="tl">
+                      <a:srgbClr val="000000">
+                        <a:alpha val="43137"/>
+                      </a:srgbClr>
+                    </a:outerShdw>
+                  </a:effectLst>
+                </a:rPr>
+                <a:t>?</a:t>
               </a:r>
               <a:endParaRPr lang="en-US" b="1" dirty="0">
                 <a:effectLst>
@@ -8630,7 +8678,31 @@
                     </a:outerShdw>
                   </a:effectLst>
                 </a:rPr>
-                <a:t>Почему?</a:t>
+                <a:t>Почему была создана </a:t>
+              </a:r>
+              <a:r>
+                <a:rPr lang="en-US" b="1" dirty="0">
+                  <a:effectLst>
+                    <a:outerShdw blurRad="38100" dist="38100" dir="2700000" algn="tl">
+                      <a:srgbClr val="000000">
+                        <a:alpha val="43137"/>
+                      </a:srgbClr>
+                    </a:outerShdw>
+                  </a:effectLst>
+                </a:rPr>
+                <a:t>ABCNET</a:t>
+              </a:r>
+              <a:r>
+                <a:rPr lang="ru-RU" b="1" dirty="0">
+                  <a:effectLst>
+                    <a:outerShdw blurRad="38100" dist="38100" dir="2700000" algn="tl">
+                      <a:srgbClr val="000000">
+                        <a:alpha val="43137"/>
+                      </a:srgbClr>
+                    </a:outerShdw>
+                  </a:effectLst>
+                </a:rPr>
+                <a:t>?</a:t>
               </a:r>
               <a:endParaRPr lang="en-US" b="1" dirty="0">
                 <a:effectLst>
@@ -10870,7 +10942,127 @@
                   </a:outerShdw>
                 </a:effectLst>
               </a:rPr>
-              <a:t>Что?</a:t>
+              <a:t>Что</a:t>
+            </a:r>
+            <a:r>
+              <a:rPr lang="en-US" b="1" dirty="0">
+                <a:ln w="19050">
+                  <a:solidFill>
+                    <a:srgbClr val="611AB6"/>
+                  </a:solidFill>
+                  <a:prstDash val="solid"/>
+                </a:ln>
+                <a:solidFill>
+                  <a:schemeClr val="accent2">
+                    <a:lumMod val="40000"/>
+                    <a:lumOff val="60000"/>
+                  </a:schemeClr>
+                </a:solidFill>
+                <a:effectLst>
+                  <a:glow rad="63500">
+                    <a:schemeClr val="accent2">
+                      <a:satMod val="175000"/>
+                      <a:alpha val="40000"/>
+                    </a:schemeClr>
+                  </a:glow>
+                  <a:outerShdw blurRad="38100" dist="38100" dir="2700000" algn="tl">
+                    <a:srgbClr val="000000">
+                      <a:alpha val="43137"/>
+                    </a:srgbClr>
+                  </a:outerShdw>
+                </a:effectLst>
+              </a:rPr>
+              <a:t> </a:t>
+            </a:r>
+            <a:r>
+              <a:rPr lang="ru-RU" b="1" dirty="0">
+                <a:ln w="19050">
+                  <a:solidFill>
+                    <a:srgbClr val="611AB6"/>
+                  </a:solidFill>
+                  <a:prstDash val="solid"/>
+                </a:ln>
+                <a:solidFill>
+                  <a:schemeClr val="accent2">
+                    <a:lumMod val="40000"/>
+                    <a:lumOff val="60000"/>
+                  </a:schemeClr>
+                </a:solidFill>
+                <a:effectLst>
+                  <a:glow rad="63500">
+                    <a:schemeClr val="accent2">
+                      <a:satMod val="175000"/>
+                      <a:alpha val="40000"/>
+                    </a:schemeClr>
+                  </a:glow>
+                  <a:outerShdw blurRad="38100" dist="38100" dir="2700000" algn="tl">
+                    <a:srgbClr val="000000">
+                      <a:alpha val="43137"/>
+                    </a:srgbClr>
+                  </a:outerShdw>
+                </a:effectLst>
+              </a:rPr>
+              <a:t>такое </a:t>
+            </a:r>
+            <a:r>
+              <a:rPr lang="en-US" b="1" dirty="0">
+                <a:ln w="19050">
+                  <a:solidFill>
+                    <a:srgbClr val="611AB6"/>
+                  </a:solidFill>
+                  <a:prstDash val="solid"/>
+                </a:ln>
+                <a:solidFill>
+                  <a:schemeClr val="accent2">
+                    <a:lumMod val="40000"/>
+                    <a:lumOff val="60000"/>
+                  </a:schemeClr>
+                </a:solidFill>
+                <a:effectLst>
+                  <a:glow rad="63500">
+                    <a:schemeClr val="accent2">
+                      <a:satMod val="175000"/>
+                      <a:alpha val="40000"/>
+                    </a:schemeClr>
+                  </a:glow>
+                  <a:outerShdw blurRad="38100" dist="38100" dir="2700000" algn="tl">
+                    <a:srgbClr val="000000">
+                      <a:alpha val="43137"/>
+                    </a:srgbClr>
+                  </a:outerShdw>
+                </a:effectLst>
+              </a:rPr>
+              <a:t>ABCNET</a:t>
+            </a:r>
+            <a:r>
+              <a:rPr lang="ru-RU" b="1" dirty="0">
+                <a:ln w="19050">
+                  <a:solidFill>
+                    <a:srgbClr val="611AB6"/>
+                  </a:solidFill>
+                  <a:prstDash val="solid"/>
+                </a:ln>
+                <a:solidFill>
+                  <a:schemeClr val="accent2">
+                    <a:lumMod val="40000"/>
+                    <a:lumOff val="60000"/>
+                  </a:schemeClr>
+                </a:solidFill>
+                <a:effectLst>
+                  <a:glow rad="63500">
+                    <a:schemeClr val="accent2">
+                      <a:satMod val="175000"/>
+                      <a:alpha val="40000"/>
+                    </a:schemeClr>
+                  </a:glow>
+                  <a:outerShdw blurRad="38100" dist="38100" dir="2700000" algn="tl">
+                    <a:srgbClr val="000000">
+                      <a:alpha val="43137"/>
+                    </a:srgbClr>
+                  </a:outerShdw>
+                </a:effectLst>
+              </a:rPr>
+              <a:t>?</a:t>
             </a:r>
             <a:endParaRPr lang="en-US" b="1" dirty="0">
               <a:ln w="22225">
@@ -12749,7 +12941,127 @@
                   </a:outerShdw>
                 </a:effectLst>
               </a:rPr>
-              <a:t>Почему?</a:t>
+              <a:t>Почему</a:t>
+            </a:r>
+            <a:r>
+              <a:rPr lang="en-US" b="1" dirty="0">
+                <a:ln w="19050">
+                  <a:solidFill>
+                    <a:srgbClr val="611AB6"/>
+                  </a:solidFill>
+                  <a:prstDash val="solid"/>
+                </a:ln>
+                <a:solidFill>
+                  <a:schemeClr val="accent2">
+                    <a:lumMod val="40000"/>
+                    <a:lumOff val="60000"/>
+                  </a:schemeClr>
+                </a:solidFill>
+                <a:effectLst>
+                  <a:glow rad="63500">
+                    <a:schemeClr val="accent2">
+                      <a:satMod val="175000"/>
+                      <a:alpha val="40000"/>
+                    </a:schemeClr>
+                  </a:glow>
+                  <a:outerShdw blurRad="38100" dist="38100" dir="2700000" algn="tl">
+                    <a:srgbClr val="000000">
+                      <a:alpha val="43137"/>
+                    </a:srgbClr>
+                  </a:outerShdw>
+                </a:effectLst>
+              </a:rPr>
+              <a:t> </a:t>
+            </a:r>
+            <a:r>
+              <a:rPr lang="ru-RU" b="1" dirty="0">
+                <a:ln w="19050">
+                  <a:solidFill>
+                    <a:srgbClr val="611AB6"/>
+                  </a:solidFill>
+                  <a:prstDash val="solid"/>
+                </a:ln>
+                <a:solidFill>
+                  <a:schemeClr val="accent2">
+                    <a:lumMod val="40000"/>
+                    <a:lumOff val="60000"/>
+                  </a:schemeClr>
+                </a:solidFill>
+                <a:effectLst>
+                  <a:glow rad="63500">
+                    <a:schemeClr val="accent2">
+                      <a:satMod val="175000"/>
+                      <a:alpha val="40000"/>
+                    </a:schemeClr>
+                  </a:glow>
+                  <a:outerShdw blurRad="38100" dist="38100" dir="2700000" algn="tl">
+                    <a:srgbClr val="000000">
+                      <a:alpha val="43137"/>
+                    </a:srgbClr>
+                  </a:outerShdw>
+                </a:effectLst>
+              </a:rPr>
+              <a:t>была создана </a:t>
+            </a:r>
+            <a:r>
+              <a:rPr lang="en-US" b="1" dirty="0">
+                <a:ln w="19050">
+                  <a:solidFill>
+                    <a:srgbClr val="611AB6"/>
+                  </a:solidFill>
+                  <a:prstDash val="solid"/>
+                </a:ln>
+                <a:solidFill>
+                  <a:schemeClr val="accent2">
+                    <a:lumMod val="40000"/>
+                    <a:lumOff val="60000"/>
+                  </a:schemeClr>
+                </a:solidFill>
+                <a:effectLst>
+                  <a:glow rad="63500">
+                    <a:schemeClr val="accent2">
+                      <a:satMod val="175000"/>
+                      <a:alpha val="40000"/>
+                    </a:schemeClr>
+                  </a:glow>
+                  <a:outerShdw blurRad="38100" dist="38100" dir="2700000" algn="tl">
+                    <a:srgbClr val="000000">
+                      <a:alpha val="43137"/>
+                    </a:srgbClr>
+                  </a:outerShdw>
+                </a:effectLst>
+              </a:rPr>
+              <a:t>ABCNET</a:t>
+            </a:r>
+            <a:r>
+              <a:rPr lang="ru-RU" b="1" dirty="0">
+                <a:ln w="19050">
+                  <a:solidFill>
+                    <a:srgbClr val="611AB6"/>
+                  </a:solidFill>
+                  <a:prstDash val="solid"/>
+                </a:ln>
+                <a:solidFill>
+                  <a:schemeClr val="accent2">
+                    <a:lumMod val="40000"/>
+                    <a:lumOff val="60000"/>
+                  </a:schemeClr>
+                </a:solidFill>
+                <a:effectLst>
+                  <a:glow rad="63500">
+                    <a:schemeClr val="accent2">
+                      <a:satMod val="175000"/>
+                      <a:alpha val="40000"/>
+                    </a:schemeClr>
+                  </a:glow>
+                  <a:outerShdw blurRad="38100" dist="38100" dir="2700000" algn="tl">
+                    <a:srgbClr val="000000">
+                      <a:alpha val="43137"/>
+                    </a:srgbClr>
+                  </a:outerShdw>
+                </a:effectLst>
+              </a:rPr>
+              <a:t>?</a:t>
             </a:r>
             <a:endParaRPr lang="en-US" b="1" dirty="0">
               <a:ln w="22225">
@@ -15856,7 +16168,7 @@
         <p:spPr>
           <a:xfrm>
             <a:off x="685801" y="2142066"/>
-            <a:ext cx="10131425" cy="1349279"/>
+            <a:ext cx="10131425" cy="1666883"/>
           </a:xfrm>
         </p:spPr>
         <p:txBody>
@@ -15870,23 +16182,7 @@
             </a:pPr>
             <a:r>
               <a:rPr lang="ru-RU" dirty="0"/>
-              <a:t>На сегодняшний день существуют множество библиотек для упрощения написания кода. Так, например: </a:t>
-            </a:r>
-            <a:r>
-              <a:rPr lang="ru-RU" b="1" dirty="0" err="1"/>
-              <a:t>NumPy</a:t>
-            </a:r>
-            <a:r>
-              <a:rPr lang="ru-RU" dirty="0"/>
-              <a:t> для </a:t>
-            </a:r>
-            <a:r>
-              <a:rPr lang="ru-RU" b="1" dirty="0" err="1"/>
-              <a:t>Python</a:t>
-            </a:r>
-            <a:r>
-              <a:rPr lang="ru-RU" dirty="0"/>
-              <a:t>. Что выбирать - зависит от Ваших нужд и предпочтений. В частности, мы предлагаем в качестве альтернативы </a:t>
+              <a:t>На сегодняшний день существуют множество библиотек для упрощения написания кода. Что выбирать - зависит от Ваших нужд и предпочтений. В частности, мы предлагаем в качестве альтернативы </a:t>
             </a:r>
             <a:r>
               <a:rPr lang="ru-RU" b="1" dirty="0"/>
@@ -15918,7 +16214,23 @@
             </a:r>
             <a:r>
               <a:rPr lang="ru-RU" dirty="0"/>
-              <a:t>.</a:t>
+              <a:t>. Справедливости ради стоит отметить, что разрабатывая её мы ориентируемся на </a:t>
+            </a:r>
+            <a:r>
+              <a:rPr lang="en-US" b="1" dirty="0"/>
+              <a:t>NumPy</a:t>
+            </a:r>
+            <a:r>
+              <a:rPr lang="ru-RU" b="1" dirty="0"/>
+              <a:t> </a:t>
+            </a:r>
+            <a:r>
+              <a:rPr lang="ru-RU" dirty="0"/>
+              <a:t>(для </a:t>
+            </a:r>
+            <a:r>
+              <a:rPr lang="en-US" dirty="0"/>
+              <a:t>Python).</a:t>
             </a:r>
             <a:endParaRPr lang="en-US" dirty="0">
               <a:effectLst>
